--- a/translations/en-us/RobotGame/AligningOnLines.pptx
+++ b/translations/en-us/RobotGame/AligningOnLines.pptx
@@ -223,7 +223,7 @@
           <a:p>
             <a:fld id="{E354B44E-40A3-0E46-B16A-9BF1250A248B}" type="datetimeFigureOut">
               <a:rPr lang="en-US" smtClean="0"/>
-              <a:t>8/26/18</a:t>
+              <a:t>10/27/22</a:t>
             </a:fld>
             <a:endParaRPr lang="en-US"/>
           </a:p>
@@ -389,7 +389,7 @@
           <a:p>
             <a:fld id="{C86AD16C-2DB4-6642-BAD4-9ED973A087A0}" type="datetimeFigureOut">
               <a:rPr lang="en-US" smtClean="0"/>
-              <a:t>8/26/18</a:t>
+              <a:t>10/27/22</a:t>
             </a:fld>
             <a:endParaRPr lang="en-US"/>
           </a:p>
@@ -1102,7 +1102,7 @@
           <a:p>
             <a:fld id="{7407431C-7AA3-BA4F-9955-41E3F765721F}" type="datetime1">
               <a:rPr lang="en-US" smtClean="0"/>
-              <a:t>9/2/18</a:t>
+              <a:t>10/27/22</a:t>
             </a:fld>
             <a:endParaRPr lang="en-US"/>
           </a:p>
@@ -1698,7 +1698,7 @@
           <a:p>
             <a:fld id="{B2DF10CD-1AF1-104E-9EED-BD0135C10D68}" type="datetime1">
               <a:rPr lang="en-US" smtClean="0"/>
-              <a:t>9/2/18</a:t>
+              <a:t>10/27/22</a:t>
             </a:fld>
             <a:endParaRPr lang="en-US"/>
           </a:p>
@@ -1879,7 +1879,7 @@
           <a:p>
             <a:fld id="{59C51B1D-E3FA-BC44-82BF-92EE2F6F3080}" type="datetime1">
               <a:rPr lang="en-US" smtClean="0"/>
-              <a:t>9/2/18</a:t>
+              <a:t>10/27/22</a:t>
             </a:fld>
             <a:endParaRPr lang="en-US"/>
           </a:p>
@@ -2095,7 +2095,7 @@
           <a:p>
             <a:fld id="{786E84FA-792E-A245-AC9D-BF0F089305B4}" type="datetime1">
               <a:rPr lang="en-US" smtClean="0"/>
-              <a:t>9/2/18</a:t>
+              <a:t>10/27/22</a:t>
             </a:fld>
             <a:endParaRPr lang="en-US"/>
           </a:p>
@@ -2313,7 +2313,7 @@
           <a:noFill/>
           <a:extLst>
             <a:ext uri="{909E8E84-426E-40dd-AFC4-6F175D3DCCD1}">
-              <a14:hiddenFill xmlns:a14="http://schemas.microsoft.com/office/drawing/2010/main" xmlns="">
+              <a14:hiddenFill xmlns="" xmlns:a14="http://schemas.microsoft.com/office/drawing/2010/main">
                 <a:solidFill>
                   <a:srgbClr val="FFFFFF"/>
                 </a:solidFill>
@@ -2939,7 +2939,7 @@
           <a:p>
             <a:fld id="{B04A7B90-21AE-B14E-9702-028F33E34F58}" type="datetime1">
               <a:rPr lang="en-US" smtClean="0"/>
-              <a:t>9/2/18</a:t>
+              <a:t>10/27/22</a:t>
             </a:fld>
             <a:endParaRPr lang="en-US"/>
           </a:p>
@@ -3204,7 +3204,7 @@
           <a:p>
             <a:fld id="{C873B9DF-6262-D646-A097-E01F2C6087E1}" type="datetime1">
               <a:rPr lang="en-US" smtClean="0"/>
-              <a:t>9/2/18</a:t>
+              <a:t>10/27/22</a:t>
             </a:fld>
             <a:endParaRPr lang="en-US"/>
           </a:p>
@@ -3507,7 +3507,7 @@
           <a:p>
             <a:fld id="{1860D043-71AD-8D41-9E9E-695817E9673F}" type="datetime1">
               <a:rPr lang="en-US" smtClean="0"/>
-              <a:t>9/2/18</a:t>
+              <a:t>10/27/22</a:t>
             </a:fld>
             <a:endParaRPr lang="en-US"/>
           </a:p>
@@ -3961,7 +3961,7 @@
           <a:p>
             <a:fld id="{A6AF0BEB-8239-4645-BC5E-C64824903550}" type="datetime1">
               <a:rPr lang="en-US" smtClean="0"/>
-              <a:t>9/2/18</a:t>
+              <a:t>10/27/22</a:t>
             </a:fld>
             <a:endParaRPr lang="en-US"/>
           </a:p>
@@ -4089,7 +4089,7 @@
           <a:p>
             <a:fld id="{16A6B502-D0AE-2C4E-9A89-E26AA404D473}" type="datetime1">
               <a:rPr lang="en-US" smtClean="0"/>
-              <a:t>9/2/18</a:t>
+              <a:t>10/27/22</a:t>
             </a:fld>
             <a:endParaRPr lang="en-US"/>
           </a:p>
@@ -4195,7 +4195,7 @@
           <a:p>
             <a:fld id="{153162EA-326B-4047-95C5-E225D426827E}" type="datetime1">
               <a:rPr lang="en-US" smtClean="0"/>
-              <a:t>9/2/18</a:t>
+              <a:t>10/27/22</a:t>
             </a:fld>
             <a:endParaRPr lang="en-US"/>
           </a:p>
@@ -4453,7 +4453,7 @@
           <a:p>
             <a:fld id="{27A8D1BD-2D22-5249-9999-BB6CD7E6E59E}" type="datetime1">
               <a:rPr lang="en-US" smtClean="0"/>
-              <a:t>9/2/18</a:t>
+              <a:t>10/27/22</a:t>
             </a:fld>
             <a:endParaRPr lang="en-US"/>
           </a:p>
@@ -4665,7 +4665,7 @@
           <a:p>
             <a:fld id="{4388DCA7-4F1D-B841-893C-1742E22A9C33}" type="datetime1">
               <a:rPr lang="en-US" smtClean="0"/>
-              <a:t>9/2/18</a:t>
+              <a:t>10/27/22</a:t>
             </a:fld>
             <a:endParaRPr lang="en-US"/>
           </a:p>
@@ -4948,7 +4948,7 @@
           <a:p>
             <a:fld id="{AC6B8149-BE11-4749-AF98-849FAC576E7C}" type="datetime1">
               <a:rPr lang="en-US" smtClean="0"/>
-              <a:t>9/2/18</a:t>
+              <a:t>10/27/22</a:t>
             </a:fld>
             <a:endParaRPr lang="en-US"/>
           </a:p>
@@ -5215,7 +5215,7 @@
           <a:p>
             <a:fld id="{44C805FF-F4D0-C34B-BD16-2635FFA98EB1}" type="datetime1">
               <a:rPr lang="en-US" smtClean="0"/>
-              <a:t>9/2/18</a:t>
+              <a:t>10/27/22</a:t>
             </a:fld>
             <a:endParaRPr lang="en-US"/>
           </a:p>
@@ -5404,7 +5404,7 @@
           <a:p>
             <a:fld id="{6CE5A749-B28D-6C4E-80BE-12D3D584E2A4}" type="datetime1">
               <a:rPr lang="en-US" smtClean="0"/>
-              <a:t>9/2/18</a:t>
+              <a:t>10/27/22</a:t>
             </a:fld>
             <a:endParaRPr lang="en-US"/>
           </a:p>
@@ -5605,7 +5605,7 @@
           <a:p>
             <a:fld id="{6CE8609D-602D-2C45-853B-DFE76DA949AB}" type="datetime1">
               <a:rPr lang="en-US" smtClean="0"/>
-              <a:t>9/2/18</a:t>
+              <a:t>10/27/22</a:t>
             </a:fld>
             <a:endParaRPr lang="en-US"/>
           </a:p>
@@ -5776,7 +5776,7 @@
           <a:p>
             <a:fld id="{74199A5C-58D7-104C-BCA3-24AAF705B4D7}" type="datetime1">
               <a:rPr lang="en-US" smtClean="0"/>
-              <a:t>9/2/18</a:t>
+              <a:t>10/27/22</a:t>
             </a:fld>
             <a:endParaRPr lang="en-US"/>
           </a:p>
@@ -6024,7 +6024,7 @@
           <a:p>
             <a:fld id="{947BE9C8-4C8B-D944-B706-53E2EB82B02D}" type="datetime1">
               <a:rPr lang="en-US" smtClean="0"/>
-              <a:t>9/2/18</a:t>
+              <a:t>10/27/22</a:t>
             </a:fld>
             <a:endParaRPr lang="en-US"/>
           </a:p>
@@ -6256,7 +6256,7 @@
           <a:p>
             <a:fld id="{CC13E8CD-0554-F043-AD00-9EC7FE765F73}" type="datetime1">
               <a:rPr lang="en-US" smtClean="0"/>
-              <a:t>9/2/18</a:t>
+              <a:t>10/27/22</a:t>
             </a:fld>
             <a:endParaRPr lang="en-US"/>
           </a:p>
@@ -6623,7 +6623,7 @@
           <a:p>
             <a:fld id="{0A8427F6-BB93-F342-8547-803D3B7117A1}" type="datetime1">
               <a:rPr lang="en-US" smtClean="0"/>
-              <a:t>9/2/18</a:t>
+              <a:t>10/27/22</a:t>
             </a:fld>
             <a:endParaRPr lang="en-US"/>
           </a:p>
@@ -6743,7 +6743,7 @@
           <a:p>
             <a:fld id="{55A2AF00-224C-1B46-B566-049822673348}" type="datetime1">
               <a:rPr lang="en-US" smtClean="0"/>
-              <a:t>9/2/18</a:t>
+              <a:t>10/27/22</a:t>
             </a:fld>
             <a:endParaRPr lang="en-US"/>
           </a:p>
@@ -6841,7 +6841,7 @@
           <a:p>
             <a:fld id="{4EECCBCB-25EA-1A44-A063-2E6DEBBFB553}" type="datetime1">
               <a:rPr lang="en-US" smtClean="0"/>
-              <a:t>9/2/18</a:t>
+              <a:t>10/27/22</a:t>
             </a:fld>
             <a:endParaRPr lang="en-US"/>
           </a:p>
@@ -7098,7 +7098,7 @@
           <a:p>
             <a:fld id="{48B7359E-B971-4F47-93F6-86869520D41C}" type="datetime1">
               <a:rPr lang="en-US" smtClean="0"/>
-              <a:t>9/2/18</a:t>
+              <a:t>10/27/22</a:t>
             </a:fld>
             <a:endParaRPr lang="en-US"/>
           </a:p>
@@ -7376,7 +7376,7 @@
           <a:p>
             <a:fld id="{A84C2888-E2B7-D641-ACAB-70DF8CCF6DFB}" type="datetime1">
               <a:rPr lang="en-US" smtClean="0"/>
-              <a:t>9/2/18</a:t>
+              <a:t>10/27/22</a:t>
             </a:fld>
             <a:endParaRPr lang="en-US"/>
           </a:p>
@@ -7634,7 +7634,7 @@
           <a:p>
             <a:fld id="{48067D2B-56A9-3548-BA78-0F7D21B7B168}" type="datetime1">
               <a:rPr lang="en-US" smtClean="0"/>
-              <a:t>9/2/18</a:t>
+              <a:t>10/27/22</a:t>
             </a:fld>
             <a:endParaRPr lang="en-US"/>
           </a:p>
@@ -7805,7 +7805,7 @@
           <a:p>
             <a:fld id="{BE9835D7-07D2-5844-A108-BCE86D49F7B1}" type="datetime1">
               <a:rPr lang="en-US" smtClean="0"/>
-              <a:t>9/2/18</a:t>
+              <a:t>10/27/22</a:t>
             </a:fld>
             <a:endParaRPr lang="en-US"/>
           </a:p>
@@ -7986,7 +7986,7 @@
           <a:p>
             <a:fld id="{490B0215-9339-C649-8EF3-8DAA7842C375}" type="datetime1">
               <a:rPr lang="en-US" smtClean="0"/>
-              <a:t>9/2/18</a:t>
+              <a:t>10/27/22</a:t>
             </a:fld>
             <a:endParaRPr lang="en-US"/>
           </a:p>
@@ -8243,7 +8243,7 @@
           <a:p>
             <a:fld id="{3493C6D4-C051-314A-8EC8-1AC028A1C0B2}" type="datetime1">
               <a:rPr lang="en-US" smtClean="0"/>
-              <a:t>9/2/18</a:t>
+              <a:t>10/27/22</a:t>
             </a:fld>
             <a:endParaRPr lang="en-US"/>
           </a:p>
@@ -9267,7 +9267,7 @@
           <a:p>
             <a:fld id="{0C723005-6B22-1C45-9FCB-9D672DCE9757}" type="datetime1">
               <a:rPr lang="en-US" smtClean="0"/>
-              <a:t>9/2/18</a:t>
+              <a:t>10/27/22</a:t>
             </a:fld>
             <a:endParaRPr lang="en-US"/>
           </a:p>
@@ -9529,7 +9529,7 @@
           <a:p>
             <a:fld id="{DBAB3D4C-8EA3-1240-9199-77C441E3DB6A}" type="datetime1">
               <a:rPr lang="en-US" smtClean="0"/>
-              <a:t>9/2/18</a:t>
+              <a:t>10/27/22</a:t>
             </a:fld>
             <a:endParaRPr lang="en-US"/>
           </a:p>
@@ -9824,7 +9824,7 @@
           <a:p>
             <a:fld id="{88DBFD65-2015-374A-8CEB-84B169061D79}" type="datetime1">
               <a:rPr lang="en-US" smtClean="0"/>
-              <a:t>9/2/18</a:t>
+              <a:t>10/27/22</a:t>
             </a:fld>
             <a:endParaRPr lang="en-US"/>
           </a:p>
@@ -10270,7 +10270,7 @@
           <a:p>
             <a:fld id="{92063A14-6ACE-9E4F-8ACE-D6FEAAFA6E1A}" type="datetime1">
               <a:rPr lang="en-US" smtClean="0"/>
-              <a:t>9/2/18</a:t>
+              <a:t>10/27/22</a:t>
             </a:fld>
             <a:endParaRPr lang="en-US"/>
           </a:p>
@@ -10390,7 +10390,7 @@
           <a:p>
             <a:fld id="{64CA2518-3620-D044-AECA-57030958B0EE}" type="datetime1">
               <a:rPr lang="en-US" smtClean="0"/>
-              <a:t>9/2/18</a:t>
+              <a:t>10/27/22</a:t>
             </a:fld>
             <a:endParaRPr lang="en-US"/>
           </a:p>
@@ -10684,7 +10684,7 @@
           <a:p>
             <a:fld id="{A4C4B1FB-D790-2444-AFBA-C25C5EFB023F}" type="datetime1">
               <a:rPr lang="en-US" smtClean="0"/>
-              <a:t>9/2/18</a:t>
+              <a:t>10/27/22</a:t>
             </a:fld>
             <a:endParaRPr lang="en-US"/>
           </a:p>
@@ -10782,7 +10782,7 @@
           <a:p>
             <a:fld id="{FA568A6E-70C3-5F43-A729-B2AF0EC95F95}" type="datetime1">
               <a:rPr lang="en-US" smtClean="0"/>
-              <a:t>9/2/18</a:t>
+              <a:t>10/27/22</a:t>
             </a:fld>
             <a:endParaRPr lang="en-US"/>
           </a:p>
@@ -11032,7 +11032,7 @@
           <a:p>
             <a:fld id="{0EDC0C94-716B-0249-B0B5-1CFC81D98C3D}" type="datetime1">
               <a:rPr lang="en-US" smtClean="0"/>
-              <a:t>9/2/18</a:t>
+              <a:t>10/27/22</a:t>
             </a:fld>
             <a:endParaRPr lang="en-US"/>
           </a:p>
@@ -11332,7 +11332,7 @@
           <a:p>
             <a:fld id="{8F07386C-5AF6-C24D-9257-EAEF0E43E9BA}" type="datetime1">
               <a:rPr lang="en-US" smtClean="0"/>
-              <a:t>9/2/18</a:t>
+              <a:t>10/27/22</a:t>
             </a:fld>
             <a:endParaRPr lang="en-US"/>
           </a:p>
@@ -11591,7 +11591,7 @@
           <a:p>
             <a:fld id="{3DC0D2AC-541F-CE48-9140-25F6AE3FD6F7}" type="datetime1">
               <a:rPr lang="en-US" smtClean="0"/>
-              <a:t>9/2/18</a:t>
+              <a:t>10/27/22</a:t>
             </a:fld>
             <a:endParaRPr lang="en-US"/>
           </a:p>
@@ -11772,7 +11772,7 @@
           <a:p>
             <a:fld id="{FD8BCF7A-9596-B84E-9C6D-FB31FBAB0F9E}" type="datetime1">
               <a:rPr lang="en-US" smtClean="0"/>
-              <a:t>9/2/18</a:t>
+              <a:t>10/27/22</a:t>
             </a:fld>
             <a:endParaRPr lang="en-US"/>
           </a:p>
@@ -11988,7 +11988,7 @@
           <a:p>
             <a:fld id="{D9D77C44-59CC-974A-8997-B27E27FE9626}" type="datetime1">
               <a:rPr lang="en-US" smtClean="0"/>
-              <a:t>9/2/18</a:t>
+              <a:t>10/27/22</a:t>
             </a:fld>
             <a:endParaRPr lang="en-US"/>
           </a:p>
@@ -13244,7 +13244,7 @@
           <a:p>
             <a:fld id="{28ECFE6A-D09F-6B40-9AF0-569AB879C41A}" type="datetime1">
               <a:rPr lang="en-US" smtClean="0"/>
-              <a:t>9/2/18</a:t>
+              <a:t>10/27/22</a:t>
             </a:fld>
             <a:endParaRPr lang="en-US"/>
           </a:p>
@@ -13509,7 +13509,7 @@
           <a:p>
             <a:fld id="{2EE637DF-907F-4348-A56E-AF42BB893C2B}" type="datetime1">
               <a:rPr lang="en-US" smtClean="0"/>
-              <a:t>9/2/18</a:t>
+              <a:t>10/27/22</a:t>
             </a:fld>
             <a:endParaRPr lang="en-US"/>
           </a:p>
@@ -13812,7 +13812,7 @@
           <a:p>
             <a:fld id="{0B569DDC-2F63-B248-984E-1287141184FA}" type="datetime1">
               <a:rPr lang="en-US" smtClean="0"/>
-              <a:t>9/2/18</a:t>
+              <a:t>10/27/22</a:t>
             </a:fld>
             <a:endParaRPr lang="en-US"/>
           </a:p>
@@ -14266,7 +14266,7 @@
           <a:p>
             <a:fld id="{83998531-B30B-194A-8066-C10704CA87D4}" type="datetime1">
               <a:rPr lang="en-US" smtClean="0"/>
-              <a:t>9/2/18</a:t>
+              <a:t>10/27/22</a:t>
             </a:fld>
             <a:endParaRPr lang="en-US"/>
           </a:p>
@@ -14720,7 +14720,7 @@
           <a:p>
             <a:fld id="{EF1B46FC-AB90-E74E-BB4D-C387C89725E1}" type="datetime1">
               <a:rPr lang="en-US" smtClean="0"/>
-              <a:t>9/2/18</a:t>
+              <a:t>10/27/22</a:t>
             </a:fld>
             <a:endParaRPr lang="en-US"/>
           </a:p>
@@ -14840,7 +14840,7 @@
           <a:p>
             <a:fld id="{1F27B00F-3ADA-A343-857A-6A5E89F7B2DA}" type="datetime1">
               <a:rPr lang="en-US" smtClean="0"/>
-              <a:t>9/2/18</a:t>
+              <a:t>10/27/22</a:t>
             </a:fld>
             <a:endParaRPr lang="en-US"/>
           </a:p>
@@ -14946,7 +14946,7 @@
           <a:p>
             <a:fld id="{26474E33-04AA-CB45-947F-FBB2D2255C34}" type="datetime1">
               <a:rPr lang="en-US" smtClean="0"/>
-              <a:t>9/2/18</a:t>
+              <a:t>10/27/22</a:t>
             </a:fld>
             <a:endParaRPr lang="en-US"/>
           </a:p>
@@ -15204,7 +15204,7 @@
           <a:p>
             <a:fld id="{997F9677-8375-694C-88D9-F210978A017A}" type="datetime1">
               <a:rPr lang="en-US" smtClean="0"/>
-              <a:t>9/2/18</a:t>
+              <a:t>10/27/22</a:t>
             </a:fld>
             <a:endParaRPr lang="en-US"/>
           </a:p>
@@ -15512,7 +15512,7 @@
           <a:p>
             <a:fld id="{039079F3-8D91-AD4A-9FD0-5FD84FB8FB0B}" type="datetime1">
               <a:rPr lang="en-US" smtClean="0"/>
-              <a:t>9/2/18</a:t>
+              <a:t>10/27/22</a:t>
             </a:fld>
             <a:endParaRPr lang="en-US"/>
           </a:p>
@@ -15779,7 +15779,7 @@
           <a:p>
             <a:fld id="{0D6F9699-B24F-DA49-9B09-913EBCEBC123}" type="datetime1">
               <a:rPr lang="en-US" smtClean="0"/>
-              <a:t>9/2/18</a:t>
+              <a:t>10/27/22</a:t>
             </a:fld>
             <a:endParaRPr lang="en-US"/>
           </a:p>
@@ -15968,7 +15968,7 @@
           <a:p>
             <a:fld id="{288E1671-850E-8F4B-B0D7-414D365C161D}" type="datetime1">
               <a:rPr lang="en-US" smtClean="0"/>
-              <a:t>9/2/18</a:t>
+              <a:t>10/27/22</a:t>
             </a:fld>
             <a:endParaRPr lang="en-US"/>
           </a:p>
@@ -16169,7 +16169,7 @@
           <a:p>
             <a:fld id="{B1AEDFBF-8690-FC46-8C92-AACC9C3D87A4}" type="datetime1">
               <a:rPr lang="en-US" smtClean="0"/>
-              <a:t>9/2/18</a:t>
+              <a:t>10/27/22</a:t>
             </a:fld>
             <a:endParaRPr lang="en-US"/>
           </a:p>
@@ -16340,7 +16340,7 @@
           <a:p>
             <a:fld id="{411B46AB-1CBE-724E-88E3-060D5D90CA43}" type="datetime1">
               <a:rPr lang="en-US" smtClean="0"/>
-              <a:t>9/2/18</a:t>
+              <a:t>10/27/22</a:t>
             </a:fld>
             <a:endParaRPr lang="en-US"/>
           </a:p>
@@ -16588,7 +16588,7 @@
           <a:p>
             <a:fld id="{DF00341E-31DC-444D-A982-BD9076AA2C2E}" type="datetime1">
               <a:rPr lang="en-US" smtClean="0"/>
-              <a:t>9/2/18</a:t>
+              <a:t>10/27/22</a:t>
             </a:fld>
             <a:endParaRPr lang="en-US"/>
           </a:p>
@@ -16820,7 +16820,7 @@
           <a:p>
             <a:fld id="{7F9E01E0-7EA1-954E-A7CD-FC66CD2DFC0D}" type="datetime1">
               <a:rPr lang="en-US" smtClean="0"/>
-              <a:t>9/2/18</a:t>
+              <a:t>10/27/22</a:t>
             </a:fld>
             <a:endParaRPr lang="en-US"/>
           </a:p>
@@ -16940,7 +16940,7 @@
           <a:p>
             <a:fld id="{77C1455B-BEF5-FF42-A996-809D61C0F53A}" type="datetime1">
               <a:rPr lang="en-US" smtClean="0"/>
-              <a:t>9/2/18</a:t>
+              <a:t>10/27/22</a:t>
             </a:fld>
             <a:endParaRPr lang="en-US"/>
           </a:p>
@@ -17307,7 +17307,7 @@
           <a:p>
             <a:fld id="{A8254411-7E37-2E40-BEB7-55B2F7BB4E81}" type="datetime1">
               <a:rPr lang="en-US" smtClean="0"/>
-              <a:t>9/2/18</a:t>
+              <a:t>10/27/22</a:t>
             </a:fld>
             <a:endParaRPr lang="en-US"/>
           </a:p>
@@ -17427,7 +17427,7 @@
           <a:p>
             <a:fld id="{653F2B09-8A89-3B4D-969D-BE5621ECB75B}" type="datetime1">
               <a:rPr lang="en-US" smtClean="0"/>
-              <a:t>9/2/18</a:t>
+              <a:t>10/27/22</a:t>
             </a:fld>
             <a:endParaRPr lang="en-US"/>
           </a:p>
@@ -17525,7 +17525,7 @@
           <a:p>
             <a:fld id="{F30492AC-33C8-CC42-8A71-9EAC2E3E8B47}" type="datetime1">
               <a:rPr lang="en-US" smtClean="0"/>
-              <a:t>9/2/18</a:t>
+              <a:t>10/27/22</a:t>
             </a:fld>
             <a:endParaRPr lang="en-US"/>
           </a:p>
@@ -17803,7 +17803,7 @@
           <a:p>
             <a:fld id="{B71CF886-0E05-2145-9C51-D8EA291F307E}" type="datetime1">
               <a:rPr lang="en-US" smtClean="0"/>
-              <a:t>9/2/18</a:t>
+              <a:t>10/27/22</a:t>
             </a:fld>
             <a:endParaRPr lang="en-US"/>
           </a:p>
@@ -18061,7 +18061,7 @@
           <a:p>
             <a:fld id="{D4F6D8BF-4C51-6047-A346-1B1816FE7CEE}" type="datetime1">
               <a:rPr lang="en-US" smtClean="0"/>
-              <a:t>9/2/18</a:t>
+              <a:t>10/27/22</a:t>
             </a:fld>
             <a:endParaRPr lang="en-US"/>
           </a:p>
@@ -18232,7 +18232,7 @@
           <a:p>
             <a:fld id="{749D5ED2-EEF1-2A48-891C-5BCC8F9D9B4D}" type="datetime1">
               <a:rPr lang="en-US" smtClean="0"/>
-              <a:t>9/2/18</a:t>
+              <a:t>10/27/22</a:t>
             </a:fld>
             <a:endParaRPr lang="en-US"/>
           </a:p>
@@ -18413,7 +18413,7 @@
           <a:p>
             <a:fld id="{C4CFCBA2-5035-CB47-8C65-A7D2DBF9D9C5}" type="datetime1">
               <a:rPr lang="en-US" smtClean="0"/>
-              <a:t>9/2/18</a:t>
+              <a:t>10/27/22</a:t>
             </a:fld>
             <a:endParaRPr lang="en-US"/>
           </a:p>
@@ -18730,7 +18730,7 @@
           <a:p>
             <a:fld id="{E3E27A96-C989-EA40-B306-5457DD31362D}" type="datetime1">
               <a:rPr lang="en-US" smtClean="0"/>
-              <a:t>9/2/18</a:t>
+              <a:t>10/27/22</a:t>
             </a:fld>
             <a:endParaRPr lang="en-US"/>
           </a:p>
@@ -19063,7 +19063,7 @@
           <a:p>
             <a:fld id="{CDFBC13A-9F5D-4F44-B27B-5B30AD13148B}" type="datetime1">
               <a:rPr lang="en-US" smtClean="0"/>
-              <a:t>9/2/18</a:t>
+              <a:t>10/27/22</a:t>
             </a:fld>
             <a:endParaRPr lang="en-US"/>
           </a:p>
@@ -19515,7 +19515,7 @@
             <a:fld id="{B61BEF0D-F0BB-DE4B-95CE-6DB70DBA9567}" type="datetimeFigureOut">
               <a:rPr lang="en-US" smtClean="0"/>
               <a:pPr/>
-              <a:t>8/26/18</a:t>
+              <a:t>10/27/22</a:t>
             </a:fld>
             <a:endParaRPr lang="en-US" dirty="0"/>
           </a:p>
@@ -19833,7 +19833,7 @@
           <a:p>
             <a:fld id="{9C24EE85-F29C-1C44-85F0-ACCB45C7F720}" type="datetime1">
               <a:rPr lang="en-US" smtClean="0"/>
-              <a:t>9/2/18</a:t>
+              <a:t>10/27/22</a:t>
             </a:fld>
             <a:endParaRPr lang="en-US"/>
           </a:p>
@@ -20119,7 +20119,7 @@
           <a:p>
             <a:fld id="{17DFCF89-78C7-1741-A246-8D84A0A25EB1}" type="datetime1">
               <a:rPr lang="en-US" smtClean="0"/>
-              <a:t>9/2/18</a:t>
+              <a:t>10/27/22</a:t>
             </a:fld>
             <a:endParaRPr lang="en-US"/>
           </a:p>
@@ -20567,7 +20567,7 @@
           <a:p>
             <a:fld id="{0F01E2B2-0E81-E840-99DD-88E365E7B2D8}" type="datetime1">
               <a:rPr lang="en-US" smtClean="0"/>
-              <a:t>9/2/18</a:t>
+              <a:t>10/27/22</a:t>
             </a:fld>
             <a:endParaRPr lang="en-US"/>
           </a:p>
@@ -20751,7 +20751,7 @@
           <a:p>
             <a:fld id="{54EE1083-6A27-524A-B43A-2A881E3690DD}" type="datetime1">
               <a:rPr lang="en-US" smtClean="0"/>
-              <a:t>9/2/18</a:t>
+              <a:t>10/27/22</a:t>
             </a:fld>
             <a:endParaRPr lang="en-US"/>
           </a:p>
@@ -20873,7 +20873,7 @@
           <a:p>
             <a:fld id="{DD47C94B-C1D6-6B4A-BFF7-BD1C80F7A696}" type="datetime1">
               <a:rPr lang="en-US" smtClean="0"/>
-              <a:t>9/2/18</a:t>
+              <a:t>10/27/22</a:t>
             </a:fld>
             <a:endParaRPr lang="en-US"/>
           </a:p>
@@ -21278,7 +21278,7 @@
           <a:p>
             <a:fld id="{DE71D4EE-C94F-ED46-96D7-FCB9222301EB}" type="datetime1">
               <a:rPr lang="en-US" smtClean="0"/>
-              <a:t>9/2/18</a:t>
+              <a:t>10/27/22</a:t>
             </a:fld>
             <a:endParaRPr lang="en-US"/>
           </a:p>
@@ -21594,7 +21594,7 @@
           <a:p>
             <a:fld id="{74E03572-791D-1A41-8D6F-26ACA3F7E7E0}" type="datetime1">
               <a:rPr lang="en-US" smtClean="0"/>
-              <a:t>9/2/18</a:t>
+              <a:t>10/27/22</a:t>
             </a:fld>
             <a:endParaRPr lang="en-US"/>
           </a:p>
@@ -21846,7 +21846,7 @@
           <a:p>
             <a:fld id="{D6A2BA99-446A-6843-9679-6C2ED0299CA1}" type="datetime1">
               <a:rPr lang="en-US" smtClean="0"/>
-              <a:t>9/2/18</a:t>
+              <a:t>10/27/22</a:t>
             </a:fld>
             <a:endParaRPr lang="en-US"/>
           </a:p>
@@ -22103,7 +22103,7 @@
           <a:p>
             <a:fld id="{78EEF861-8136-164A-A36C-6CF3D93A4058}" type="datetime1">
               <a:rPr lang="en-US" smtClean="0"/>
-              <a:t>9/2/18</a:t>
+              <a:t>10/27/22</a:t>
             </a:fld>
             <a:endParaRPr lang="en-US"/>
           </a:p>
@@ -22380,7 +22380,7 @@
           <a:p>
             <a:fld id="{CA636E37-C277-D94B-B7E6-7CCF14989C61}" type="datetime1">
               <a:rPr lang="en-US" smtClean="0"/>
-              <a:t>9/2/18</a:t>
+              <a:t>10/27/22</a:t>
             </a:fld>
             <a:endParaRPr lang="en-US"/>
           </a:p>
@@ -22680,7 +22680,7 @@
           <a:p>
             <a:fld id="{5DCD7DF2-A1F1-9244-B93F-ED7F90402CFF}" type="datetime1">
               <a:rPr lang="en-US" smtClean="0"/>
-              <a:t>9/2/18</a:t>
+              <a:t>10/27/22</a:t>
             </a:fld>
             <a:endParaRPr lang="en-US"/>
           </a:p>
@@ -22981,7 +22981,7 @@
           <a:p>
             <a:fld id="{AEAB2CE1-036B-6149-8BEE-0DE9BC29AA7A}" type="datetime1">
               <a:rPr lang="en-US" smtClean="0"/>
-              <a:t>9/2/18</a:t>
+              <a:t>10/27/22</a:t>
             </a:fld>
             <a:endParaRPr lang="en-US"/>
           </a:p>
@@ -23933,7 +23933,7 @@
           <a:p>
             <a:fld id="{217112FF-32FC-214B-8D4B-72E9083C926E}" type="datetime1">
               <a:rPr lang="en-US" smtClean="0"/>
-              <a:t>9/2/18</a:t>
+              <a:t>10/27/22</a:t>
             </a:fld>
             <a:endParaRPr lang="en-US"/>
           </a:p>
@@ -24991,7 +24991,7 @@
           <a:p>
             <a:fld id="{D490704F-79EA-B242-A561-D817748EC2F5}" type="datetime1">
               <a:rPr lang="en-US" smtClean="0"/>
-              <a:t>9/2/18</a:t>
+              <a:t>10/27/22</a:t>
             </a:fld>
             <a:endParaRPr lang="en-US"/>
           </a:p>
@@ -25533,7 +25533,7 @@
           <a:p>
             <a:fld id="{C10D0552-5D4F-A44B-8B38-5897EEBFCA52}" type="datetime1">
               <a:rPr lang="en-US" smtClean="0"/>
-              <a:t>9/2/18</a:t>
+              <a:t>10/27/22</a:t>
             </a:fld>
             <a:endParaRPr lang="en-US"/>
           </a:p>
@@ -26902,7 +26902,7 @@
           <a:p>
             <a:fld id="{67625A13-5BC2-9142-9A65-4F0F0BA387FC}" type="datetime1">
               <a:rPr lang="en-US" smtClean="0"/>
-              <a:t>9/2/18</a:t>
+              <a:t>10/27/22</a:t>
             </a:fld>
             <a:endParaRPr lang="en-US"/>
           </a:p>
@@ -27980,7 +27980,7 @@
           <a:p>
             <a:fld id="{BD72946B-4FF2-4E49-8540-2EC3D2226E01}" type="datetime1">
               <a:rPr lang="en-US" smtClean="0"/>
-              <a:t>9/2/18</a:t>
+              <a:t>10/27/22</a:t>
             </a:fld>
             <a:endParaRPr lang="en-US"/>
           </a:p>
@@ -28642,7 +28642,7 @@
           <a:p>
             <a:fld id="{4AF927B6-26D5-624F-9D2E-50699AF3378E}" type="datetime1">
               <a:rPr lang="en-US" smtClean="0"/>
-              <a:t>9/2/18</a:t>
+              <a:t>10/27/22</a:t>
             </a:fld>
             <a:endParaRPr lang="en-US"/>
           </a:p>
@@ -29238,329 +29238,126 @@
           <a:chExt cx="0" cy="0"/>
         </a:xfrm>
       </p:grpSpPr>
-      <p:grpSp>
-        <p:nvGrpSpPr>
-          <p:cNvPr id="6" name="Group 5">
+      <p:pic>
+        <p:nvPicPr>
+          <p:cNvPr id="12" name="Picture 11" descr="A picture containing map&#10;&#10;Description automatically generated">
             <a:extLst>
               <a:ext uri="{FF2B5EF4-FFF2-40B4-BE49-F238E27FC236}">
-                <a16:creationId xmlns:a16="http://schemas.microsoft.com/office/drawing/2014/main" id="{43427906-C74B-9545-B180-6CC064D2AE85}"/>
+                <a16:creationId xmlns:a16="http://schemas.microsoft.com/office/drawing/2014/main" id="{4E687E70-32E6-75BB-7DF2-947C699CDC4B}"/>
               </a:ext>
             </a:extLst>
           </p:cNvPr>
-          <p:cNvGrpSpPr/>
+          <p:cNvPicPr>
+            <a:picLocks noChangeAspect="1"/>
+          </p:cNvPicPr>
           <p:nvPr/>
-        </p:nvGrpSpPr>
-        <p:grpSpPr>
+        </p:nvPicPr>
+        <p:blipFill>
+          <a:blip r:embed="rId2">
+            <a:extLst>
+              <a:ext uri="{28A0092B-C50C-407E-A947-70E740481C1C}">
+                <a14:useLocalDpi xmlns:a14="http://schemas.microsoft.com/office/drawing/2010/main" val="0"/>
+              </a:ext>
+            </a:extLst>
+          </a:blip>
+          <a:stretch>
+            <a:fillRect/>
+          </a:stretch>
+        </p:blipFill>
+        <p:spPr>
           <a:xfrm>
-            <a:off x="3996173" y="3710907"/>
-            <a:ext cx="4806239" cy="2479303"/>
-            <a:chOff x="848141" y="2526181"/>
-            <a:chExt cx="7474224" cy="3855586"/>
+            <a:off x="4010024" y="3795880"/>
+            <a:ext cx="4685883" cy="2267491"/>
           </a:xfrm>
-        </p:grpSpPr>
-        <p:pic>
-          <p:nvPicPr>
-            <p:cNvPr id="7" name="Picture 6">
-              <a:extLst>
-                <a:ext uri="{FF2B5EF4-FFF2-40B4-BE49-F238E27FC236}">
-                  <a16:creationId xmlns:a16="http://schemas.microsoft.com/office/drawing/2014/main" id="{464FBE49-60BF-7E4D-84C2-329704DE305E}"/>
-                </a:ext>
-              </a:extLst>
-            </p:cNvPr>
-            <p:cNvPicPr>
-              <a:picLocks noChangeAspect="1"/>
-            </p:cNvPicPr>
-            <p:nvPr/>
-          </p:nvPicPr>
-          <p:blipFill>
-            <a:blip r:embed="rId2" cstate="screen">
-              <a:extLst>
-                <a:ext uri="{28A0092B-C50C-407E-A947-70E740481C1C}">
-                  <a14:useLocalDpi xmlns:a14="http://schemas.microsoft.com/office/drawing/2010/main"/>
-                </a:ext>
-              </a:extLst>
-            </a:blip>
-            <a:stretch>
-              <a:fillRect/>
-            </a:stretch>
-          </p:blipFill>
-          <p:spPr>
-            <a:xfrm>
-              <a:off x="848141" y="2526181"/>
-              <a:ext cx="7474224" cy="3624999"/>
-            </a:xfrm>
-            <a:prstGeom prst="rect">
-              <a:avLst/>
-            </a:prstGeom>
-          </p:spPr>
-        </p:pic>
-        <p:sp>
-          <p:nvSpPr>
-            <p:cNvPr id="5" name="Oval 4">
-              <a:extLst>
-                <a:ext uri="{FF2B5EF4-FFF2-40B4-BE49-F238E27FC236}">
-                  <a16:creationId xmlns:a16="http://schemas.microsoft.com/office/drawing/2014/main" id="{3728BE5D-E362-B74E-B714-B653AF6F3157}"/>
-                </a:ext>
-              </a:extLst>
-            </p:cNvPr>
-            <p:cNvSpPr/>
-            <p:nvPr/>
-          </p:nvSpPr>
-          <p:spPr>
-            <a:xfrm>
-              <a:off x="5642868" y="3800061"/>
-              <a:ext cx="738054" cy="622852"/>
-            </a:xfrm>
-            <a:prstGeom prst="ellipse">
-              <a:avLst/>
-            </a:prstGeom>
-            <a:noFill/>
-            <a:ln w="76200">
-              <a:solidFill>
-                <a:srgbClr val="FF3FFF"/>
-              </a:solidFill>
-            </a:ln>
-          </p:spPr>
-          <p:style>
-            <a:lnRef idx="2">
-              <a:schemeClr val="accent1">
-                <a:shade val="50000"/>
-              </a:schemeClr>
-            </a:lnRef>
-            <a:fillRef idx="1">
-              <a:schemeClr val="accent1"/>
-            </a:fillRef>
-            <a:effectRef idx="0">
-              <a:schemeClr val="accent1"/>
-            </a:effectRef>
-            <a:fontRef idx="minor">
-              <a:schemeClr val="lt1"/>
-            </a:fontRef>
-          </p:style>
-          <p:txBody>
-            <a:bodyPr rtlCol="0" anchor="ctr"/>
-            <a:lstStyle/>
-            <a:p>
-              <a:pPr algn="ctr"/>
-              <a:endParaRPr lang="en-US" sz="1600"/>
-            </a:p>
-          </p:txBody>
-        </p:sp>
-        <p:cxnSp>
-          <p:nvCxnSpPr>
-            <p:cNvPr id="9" name="Straight Arrow Connector 8">
-              <a:extLst>
-                <a:ext uri="{FF2B5EF4-FFF2-40B4-BE49-F238E27FC236}">
-                  <a16:creationId xmlns:a16="http://schemas.microsoft.com/office/drawing/2014/main" id="{E702F607-B4C3-D444-BE0B-5EEC385A3C8F}"/>
-                </a:ext>
-              </a:extLst>
-            </p:cNvPr>
-            <p:cNvCxnSpPr/>
-            <p:nvPr/>
-          </p:nvCxnSpPr>
-          <p:spPr>
-            <a:xfrm>
-              <a:off x="1404730" y="5380383"/>
-              <a:ext cx="3578087" cy="0"/>
-            </a:xfrm>
-            <a:prstGeom prst="straightConnector1">
-              <a:avLst/>
-            </a:prstGeom>
-            <a:ln w="76200">
-              <a:solidFill>
-                <a:srgbClr val="FF0000"/>
-              </a:solidFill>
-              <a:tailEnd type="triangle"/>
-            </a:ln>
-          </p:spPr>
-          <p:style>
-            <a:lnRef idx="1">
-              <a:schemeClr val="accent1"/>
-            </a:lnRef>
-            <a:fillRef idx="0">
-              <a:schemeClr val="accent1"/>
-            </a:fillRef>
-            <a:effectRef idx="0">
-              <a:schemeClr val="accent1"/>
-            </a:effectRef>
-            <a:fontRef idx="minor">
-              <a:schemeClr val="tx1"/>
-            </a:fontRef>
-          </p:style>
-        </p:cxnSp>
-        <p:cxnSp>
-          <p:nvCxnSpPr>
-            <p:cNvPr id="10" name="Straight Arrow Connector 9">
-              <a:extLst>
-                <a:ext uri="{FF2B5EF4-FFF2-40B4-BE49-F238E27FC236}">
-                  <a16:creationId xmlns:a16="http://schemas.microsoft.com/office/drawing/2014/main" id="{2B68AC1A-80D1-F44C-A9FD-2485AD60A79D}"/>
-                </a:ext>
-              </a:extLst>
-            </p:cNvPr>
-            <p:cNvCxnSpPr>
-              <a:cxnSpLocks/>
-            </p:cNvCxnSpPr>
-            <p:nvPr/>
-          </p:nvCxnSpPr>
-          <p:spPr>
-            <a:xfrm flipH="1" flipV="1">
-              <a:off x="4981472" y="2712720"/>
-              <a:ext cx="11385" cy="2502011"/>
-            </a:xfrm>
-            <a:prstGeom prst="straightConnector1">
-              <a:avLst/>
-            </a:prstGeom>
-            <a:ln w="76200">
-              <a:solidFill>
-                <a:srgbClr val="FF0000"/>
-              </a:solidFill>
-              <a:tailEnd type="triangle"/>
-            </a:ln>
-          </p:spPr>
-          <p:style>
-            <a:lnRef idx="1">
-              <a:schemeClr val="accent1"/>
-            </a:lnRef>
-            <a:fillRef idx="0">
-              <a:schemeClr val="accent1"/>
-            </a:fillRef>
-            <a:effectRef idx="0">
-              <a:schemeClr val="accent1"/>
-            </a:effectRef>
-            <a:fontRef idx="minor">
-              <a:schemeClr val="tx1"/>
-            </a:fontRef>
-          </p:style>
-        </p:cxnSp>
-        <p:cxnSp>
-          <p:nvCxnSpPr>
-            <p:cNvPr id="11" name="Straight Arrow Connector 10">
-              <a:extLst>
-                <a:ext uri="{FF2B5EF4-FFF2-40B4-BE49-F238E27FC236}">
-                  <a16:creationId xmlns:a16="http://schemas.microsoft.com/office/drawing/2014/main" id="{05F02A5E-ADD3-5748-BDDF-9AADE471B688}"/>
-                </a:ext>
-              </a:extLst>
-            </p:cNvPr>
-            <p:cNvCxnSpPr>
-              <a:cxnSpLocks/>
-            </p:cNvCxnSpPr>
-            <p:nvPr/>
-          </p:nvCxnSpPr>
-          <p:spPr>
-            <a:xfrm>
-              <a:off x="5135217" y="2712720"/>
-              <a:ext cx="0" cy="985520"/>
-            </a:xfrm>
-            <a:prstGeom prst="straightConnector1">
-              <a:avLst/>
-            </a:prstGeom>
-            <a:ln w="76200">
-              <a:solidFill>
-                <a:srgbClr val="FF0000"/>
-              </a:solidFill>
-              <a:tailEnd type="triangle"/>
-            </a:ln>
-          </p:spPr>
-          <p:style>
-            <a:lnRef idx="1">
-              <a:schemeClr val="accent1"/>
-            </a:lnRef>
-            <a:fillRef idx="0">
-              <a:schemeClr val="accent1"/>
-            </a:fillRef>
-            <a:effectRef idx="0">
-              <a:schemeClr val="accent1"/>
-            </a:effectRef>
-            <a:fontRef idx="minor">
-              <a:schemeClr val="tx1"/>
-            </a:fontRef>
-          </p:style>
-        </p:cxnSp>
-        <p:cxnSp>
-          <p:nvCxnSpPr>
-            <p:cNvPr id="13" name="Straight Arrow Connector 12">
-              <a:extLst>
-                <a:ext uri="{FF2B5EF4-FFF2-40B4-BE49-F238E27FC236}">
-                  <a16:creationId xmlns:a16="http://schemas.microsoft.com/office/drawing/2014/main" id="{ECEA78F0-50C0-EC4E-97B3-8C85B137FF34}"/>
-                </a:ext>
-              </a:extLst>
-            </p:cNvPr>
-            <p:cNvCxnSpPr>
-              <a:cxnSpLocks/>
-            </p:cNvCxnSpPr>
-            <p:nvPr/>
-          </p:nvCxnSpPr>
-          <p:spPr>
-            <a:xfrm>
-              <a:off x="5242560" y="3698240"/>
-              <a:ext cx="873760" cy="0"/>
-            </a:xfrm>
-            <a:prstGeom prst="straightConnector1">
-              <a:avLst/>
-            </a:prstGeom>
-            <a:ln w="76200">
-              <a:solidFill>
-                <a:srgbClr val="FF0000"/>
-              </a:solidFill>
-              <a:tailEnd type="triangle"/>
-            </a:ln>
-          </p:spPr>
-          <p:style>
-            <a:lnRef idx="1">
-              <a:schemeClr val="accent1"/>
-            </a:lnRef>
-            <a:fillRef idx="0">
-              <a:schemeClr val="accent1"/>
-            </a:fillRef>
-            <a:effectRef idx="0">
-              <a:schemeClr val="accent1"/>
-            </a:effectRef>
-            <a:fontRef idx="minor">
-              <a:schemeClr val="tx1"/>
-            </a:fontRef>
-          </p:style>
-        </p:cxnSp>
-        <p:sp>
-          <p:nvSpPr>
-            <p:cNvPr id="17" name="TextBox 16">
-              <a:extLst>
-                <a:ext uri="{FF2B5EF4-FFF2-40B4-BE49-F238E27FC236}">
-                  <a16:creationId xmlns:a16="http://schemas.microsoft.com/office/drawing/2014/main" id="{73E0A267-523F-314A-B0E1-C05B5BAD4F6F}"/>
-                </a:ext>
-              </a:extLst>
-            </p:cNvPr>
-            <p:cNvSpPr txBox="1"/>
-            <p:nvPr/>
-          </p:nvSpPr>
-          <p:spPr>
-            <a:xfrm rot="5400000">
-              <a:off x="4081972" y="5028396"/>
-              <a:ext cx="2252870" cy="453872"/>
-            </a:xfrm>
-            <a:prstGeom prst="rect">
-              <a:avLst/>
-            </a:prstGeom>
-            <a:noFill/>
-          </p:spPr>
-          <p:txBody>
-            <a:bodyPr wrap="square" rtlCol="0">
-              <a:spAutoFit/>
-            </a:bodyPr>
-            <a:lstStyle/>
-            <a:p>
-              <a:pPr algn="ctr"/>
-              <a:r>
-                <a:rPr lang="en-US" sz="1600" dirty="0">
-                  <a:highlight>
-                    <a:srgbClr val="FFFF00"/>
-                  </a:highlight>
-                </a:rPr>
-                <a:t>Align on a Line</a:t>
-              </a:r>
-            </a:p>
-          </p:txBody>
-        </p:sp>
-      </p:grpSp>
+          <a:prstGeom prst="rect">
+            <a:avLst/>
+          </a:prstGeom>
+        </p:spPr>
+      </p:pic>
+      <p:cxnSp>
+        <p:nvCxnSpPr>
+          <p:cNvPr id="9" name="Straight Arrow Connector 8">
+            <a:extLst>
+              <a:ext uri="{FF2B5EF4-FFF2-40B4-BE49-F238E27FC236}">
+                <a16:creationId xmlns:a16="http://schemas.microsoft.com/office/drawing/2014/main" id="{E702F607-B4C3-D444-BE0B-5EEC385A3C8F}"/>
+              </a:ext>
+            </a:extLst>
+          </p:cNvPr>
+          <p:cNvCxnSpPr>
+            <a:cxnSpLocks/>
+          </p:cNvCxnSpPr>
+          <p:nvPr/>
+        </p:nvCxnSpPr>
+        <p:spPr>
+          <a:xfrm>
+            <a:off x="4572000" y="5431902"/>
+            <a:ext cx="1761067" cy="0"/>
+          </a:xfrm>
+          <a:prstGeom prst="straightConnector1">
+            <a:avLst/>
+          </a:prstGeom>
+          <a:ln w="76200">
+            <a:solidFill>
+              <a:srgbClr val="FF0000"/>
+            </a:solidFill>
+            <a:tailEnd type="triangle"/>
+          </a:ln>
+        </p:spPr>
+        <p:style>
+          <a:lnRef idx="1">
+            <a:schemeClr val="accent1"/>
+          </a:lnRef>
+          <a:fillRef idx="0">
+            <a:schemeClr val="accent1"/>
+          </a:fillRef>
+          <a:effectRef idx="0">
+            <a:schemeClr val="accent1"/>
+          </a:effectRef>
+          <a:fontRef idx="minor">
+            <a:schemeClr val="tx1"/>
+          </a:fontRef>
+        </p:style>
+      </p:cxnSp>
+      <p:sp>
+        <p:nvSpPr>
+          <p:cNvPr id="17" name="TextBox 16">
+            <a:extLst>
+              <a:ext uri="{FF2B5EF4-FFF2-40B4-BE49-F238E27FC236}">
+                <a16:creationId xmlns:a16="http://schemas.microsoft.com/office/drawing/2014/main" id="{73E0A267-523F-314A-B0E1-C05B5BAD4F6F}"/>
+              </a:ext>
+            </a:extLst>
+          </p:cNvPr>
+          <p:cNvSpPr txBox="1"/>
+          <p:nvPr/>
+        </p:nvSpPr>
+        <p:spPr>
+          <a:xfrm rot="5400000">
+            <a:off x="5809651" y="5159232"/>
+            <a:ext cx="1448690" cy="291859"/>
+          </a:xfrm>
+          <a:prstGeom prst="rect">
+            <a:avLst/>
+          </a:prstGeom>
+          <a:noFill/>
+        </p:spPr>
+        <p:txBody>
+          <a:bodyPr wrap="square" rtlCol="0">
+            <a:spAutoFit/>
+          </a:bodyPr>
+          <a:lstStyle/>
+          <a:p>
+            <a:pPr algn="ctr"/>
+            <a:r>
+              <a:rPr lang="en-US" sz="1600" dirty="0">
+                <a:highlight>
+                  <a:srgbClr val="FFFF00"/>
+                </a:highlight>
+              </a:rPr>
+              <a:t>Align on a Line</a:t>
+            </a:r>
+          </a:p>
+        </p:txBody>
+      </p:sp>
       <p:sp>
         <p:nvSpPr>
           <p:cNvPr id="2" name="Title 1"/>
@@ -29597,7 +29394,7 @@
         <p:spPr>
           <a:xfrm>
             <a:off x="448091" y="1505583"/>
-            <a:ext cx="8238707" cy="4653479"/>
+            <a:ext cx="8247816" cy="4653479"/>
           </a:xfrm>
         </p:spPr>
         <p:txBody>
@@ -30847,6 +30644,76 @@
           <a:chExt cx="0" cy="0"/>
         </a:xfrm>
       </p:grpSpPr>
+      <p:pic>
+        <p:nvPicPr>
+          <p:cNvPr id="7" name="Picture 6" descr="A picture containing map&#10;&#10;Description automatically generated">
+            <a:extLst>
+              <a:ext uri="{FF2B5EF4-FFF2-40B4-BE49-F238E27FC236}">
+                <a16:creationId xmlns:a16="http://schemas.microsoft.com/office/drawing/2014/main" id="{B70D9F1C-D032-4453-CB56-6CF249E7C98E}"/>
+              </a:ext>
+            </a:extLst>
+          </p:cNvPr>
+          <p:cNvPicPr>
+            <a:picLocks noChangeAspect="1"/>
+          </p:cNvPicPr>
+          <p:nvPr/>
+        </p:nvPicPr>
+        <p:blipFill rotWithShape="1">
+          <a:blip r:embed="rId2">
+            <a:extLst>
+              <a:ext uri="{28A0092B-C50C-407E-A947-70E740481C1C}">
+                <a14:useLocalDpi xmlns:a14="http://schemas.microsoft.com/office/drawing/2010/main" val="0"/>
+              </a:ext>
+            </a:extLst>
+          </a:blip>
+          <a:srcRect l="19753" t="26446" r="35222"/>
+          <a:stretch/>
+        </p:blipFill>
+        <p:spPr>
+          <a:xfrm>
+            <a:off x="4884221" y="3559917"/>
+            <a:ext cx="3499555" cy="2766412"/>
+          </a:xfrm>
+          <a:prstGeom prst="rect">
+            <a:avLst/>
+          </a:prstGeom>
+        </p:spPr>
+      </p:pic>
+      <p:pic>
+        <p:nvPicPr>
+          <p:cNvPr id="6" name="Picture 5" descr="A picture containing map&#10;&#10;Description automatically generated">
+            <a:extLst>
+              <a:ext uri="{FF2B5EF4-FFF2-40B4-BE49-F238E27FC236}">
+                <a16:creationId xmlns:a16="http://schemas.microsoft.com/office/drawing/2014/main" id="{FEB96D54-E833-E965-44E2-EFFA7FC97D2C}"/>
+              </a:ext>
+            </a:extLst>
+          </p:cNvPr>
+          <p:cNvPicPr>
+            <a:picLocks noChangeAspect="1"/>
+          </p:cNvPicPr>
+          <p:nvPr/>
+        </p:nvPicPr>
+        <p:blipFill rotWithShape="1">
+          <a:blip r:embed="rId2">
+            <a:extLst>
+              <a:ext uri="{28A0092B-C50C-407E-A947-70E740481C1C}">
+                <a14:useLocalDpi xmlns:a14="http://schemas.microsoft.com/office/drawing/2010/main" val="0"/>
+              </a:ext>
+            </a:extLst>
+          </a:blip>
+          <a:srcRect l="19753" t="26446" r="35222"/>
+          <a:stretch/>
+        </p:blipFill>
+        <p:spPr>
+          <a:xfrm>
+            <a:off x="426965" y="3590252"/>
+            <a:ext cx="3499555" cy="2766412"/>
+          </a:xfrm>
+          <a:prstGeom prst="rect">
+            <a:avLst/>
+          </a:prstGeom>
+        </p:spPr>
+      </p:pic>
       <p:sp>
         <p:nvSpPr>
           <p:cNvPr id="2" name="Title 1"/>
@@ -31008,41 +30875,6 @@
           </a:fontRef>
         </p:style>
       </p:cxnSp>
-      <p:pic>
-        <p:nvPicPr>
-          <p:cNvPr id="19" name="Picture 18">
-            <a:extLst>
-              <a:ext uri="{FF2B5EF4-FFF2-40B4-BE49-F238E27FC236}">
-                <a16:creationId xmlns:a16="http://schemas.microsoft.com/office/drawing/2014/main" id="{11D62988-375B-0844-A62B-07699326B0D2}"/>
-              </a:ext>
-            </a:extLst>
-          </p:cNvPr>
-          <p:cNvPicPr>
-            <a:picLocks noChangeAspect="1"/>
-          </p:cNvPicPr>
-          <p:nvPr/>
-        </p:nvPicPr>
-        <p:blipFill rotWithShape="1">
-          <a:blip r:embed="rId2" cstate="screen">
-            <a:extLst>
-              <a:ext uri="{28A0092B-C50C-407E-A947-70E740481C1C}">
-                <a14:useLocalDpi xmlns:a14="http://schemas.microsoft.com/office/drawing/2010/main"/>
-              </a:ext>
-            </a:extLst>
-          </a:blip>
-          <a:srcRect/>
-          <a:stretch/>
-        </p:blipFill>
-        <p:spPr>
-          <a:xfrm>
-            <a:off x="581191" y="3623795"/>
-            <a:ext cx="3143315" cy="2662695"/>
-          </a:xfrm>
-          <a:prstGeom prst="rect">
-            <a:avLst/>
-          </a:prstGeom>
-        </p:spPr>
-      </p:pic>
       <p:cxnSp>
         <p:nvCxnSpPr>
           <p:cNvPr id="21" name="Straight Arrow Connector 20">
@@ -31059,7 +30891,7 @@
         </p:nvCxnSpPr>
         <p:spPr>
           <a:xfrm>
-            <a:off x="1261526" y="5472081"/>
+            <a:off x="674503" y="5408203"/>
             <a:ext cx="2039235" cy="0"/>
           </a:xfrm>
           <a:prstGeom prst="straightConnector1">
@@ -31101,7 +30933,7 @@
         </p:nvSpPr>
         <p:spPr>
           <a:xfrm>
-            <a:off x="1182030" y="5107479"/>
+            <a:off x="835476" y="5100869"/>
             <a:ext cx="1717288" cy="276999"/>
           </a:xfrm>
           <a:prstGeom prst="rect">
@@ -31127,41 +30959,6 @@
           </a:p>
         </p:txBody>
       </p:sp>
-      <p:pic>
-        <p:nvPicPr>
-          <p:cNvPr id="37" name="Picture 36">
-            <a:extLst>
-              <a:ext uri="{FF2B5EF4-FFF2-40B4-BE49-F238E27FC236}">
-                <a16:creationId xmlns:a16="http://schemas.microsoft.com/office/drawing/2014/main" id="{ADBB7C4A-8477-2844-8CF3-94411656AAB3}"/>
-              </a:ext>
-            </a:extLst>
-          </p:cNvPr>
-          <p:cNvPicPr>
-            <a:picLocks noChangeAspect="1"/>
-          </p:cNvPicPr>
-          <p:nvPr/>
-        </p:nvPicPr>
-        <p:blipFill rotWithShape="1">
-          <a:blip r:embed="rId2" cstate="screen">
-            <a:extLst>
-              <a:ext uri="{28A0092B-C50C-407E-A947-70E740481C1C}">
-                <a14:useLocalDpi xmlns:a14="http://schemas.microsoft.com/office/drawing/2010/main"/>
-              </a:ext>
-            </a:extLst>
-          </a:blip>
-          <a:srcRect/>
-          <a:stretch/>
-        </p:blipFill>
-        <p:spPr>
-          <a:xfrm>
-            <a:off x="4984513" y="3634625"/>
-            <a:ext cx="3143315" cy="2662695"/>
-          </a:xfrm>
-          <a:prstGeom prst="rect">
-            <a:avLst/>
-          </a:prstGeom>
-        </p:spPr>
-      </p:pic>
       <p:cxnSp>
         <p:nvCxnSpPr>
           <p:cNvPr id="38" name="Straight Arrow Connector 37">
@@ -31178,7 +30975,7 @@
         </p:nvCxnSpPr>
         <p:spPr>
           <a:xfrm flipV="1">
-            <a:off x="7337502" y="5482911"/>
+            <a:off x="6863368" y="5426260"/>
             <a:ext cx="366581" cy="18311"/>
           </a:xfrm>
           <a:prstGeom prst="straightConnector1">
@@ -31220,7 +31017,7 @@
         </p:nvSpPr>
         <p:spPr>
           <a:xfrm>
-            <a:off x="6678875" y="5131204"/>
+            <a:off x="6121141" y="5039214"/>
             <a:ext cx="1717288" cy="276999"/>
           </a:xfrm>
           <a:prstGeom prst="rect">
@@ -31262,7 +31059,7 @@
         </p:nvCxnSpPr>
         <p:spPr>
           <a:xfrm>
-            <a:off x="5451777" y="5501222"/>
+            <a:off x="4884221" y="5452577"/>
             <a:ext cx="1885725" cy="0"/>
           </a:xfrm>
           <a:prstGeom prst="straightConnector1">
@@ -31304,7 +31101,7 @@
         </p:nvSpPr>
         <p:spPr>
           <a:xfrm>
-            <a:off x="5139302" y="5131205"/>
+            <a:off x="4855016" y="5039214"/>
             <a:ext cx="1717288" cy="276999"/>
           </a:xfrm>
           <a:prstGeom prst="rect">
@@ -31809,7 +31606,7 @@
           <a:effectLst/>
           <a:extLst>
             <a:ext uri="{91240B29-F687-4f45-9708-019B960494DF}">
-              <a14:hiddenLine xmlns="" xmlns:a14="http://schemas.microsoft.com/office/drawing/2010/main" w="9525">
+              <a14:hiddenLine xmlns:a14="http://schemas.microsoft.com/office/drawing/2010/main" xmlns="" w="9525">
                 <a:solidFill>
                   <a:schemeClr val="tx1"/>
                 </a:solidFill>
@@ -31819,7 +31616,7 @@
               </a14:hiddenLine>
             </a:ext>
             <a:ext uri="{AF507438-7753-43e0-B8FC-AC1667EBCBE1}">
-              <a14:hiddenEffects xmlns="" xmlns:a14="http://schemas.microsoft.com/office/drawing/2010/main">
+              <a14:hiddenEffects xmlns:a14="http://schemas.microsoft.com/office/drawing/2010/main" xmlns="">
                 <a:effectLst>
                   <a:outerShdw dist="35921" dir="2700000" algn="ctr" rotWithShape="0">
                     <a:schemeClr val="bg2"/>
@@ -32160,7 +31957,7 @@
           <a:noFill/>
           <a:extLst>
             <a:ext uri="{909E8E84-426E-40dd-AFC4-6F175D3DCCD1}">
-              <a14:hiddenFill xmlns="" xmlns:a14="http://schemas.microsoft.com/office/drawing/2010/main">
+              <a14:hiddenFill xmlns:a14="http://schemas.microsoft.com/office/drawing/2010/main" xmlns="">
                 <a:solidFill>
                   <a:srgbClr val="FFFFFF"/>
                 </a:solidFill>

--- a/translations/en-us/RobotGame/AligningOnLines.pptx
+++ b/translations/en-us/RobotGame/AligningOnLines.pptx
@@ -11,10 +11,10 @@
     <p:sldMasterId id="2147483907" r:id="rId7"/>
   </p:sldMasterIdLst>
   <p:notesMasterIdLst>
-    <p:notesMasterId r:id="rId15"/>
+    <p:notesMasterId r:id="rId14"/>
   </p:notesMasterIdLst>
   <p:handoutMasterIdLst>
-    <p:handoutMasterId r:id="rId16"/>
+    <p:handoutMasterId r:id="rId15"/>
   </p:handoutMasterIdLst>
   <p:sldIdLst>
     <p:sldId id="289" r:id="rId8"/>
@@ -22,8 +22,7 @@
     <p:sldId id="316" r:id="rId10"/>
     <p:sldId id="314" r:id="rId11"/>
     <p:sldId id="317" r:id="rId12"/>
-    <p:sldId id="315" r:id="rId13"/>
-    <p:sldId id="274" r:id="rId14"/>
+    <p:sldId id="274" r:id="rId13"/>
   </p:sldIdLst>
   <p:sldSz cx="9144000" cy="6858000" type="screen4x3"/>
   <p:notesSz cx="6858000" cy="9144000"/>
@@ -223,7 +222,7 @@
           <a:p>
             <a:fld id="{E354B44E-40A3-0E46-B16A-9BF1250A248B}" type="datetimeFigureOut">
               <a:rPr lang="en-US" smtClean="0"/>
-              <a:t>10/27/22</a:t>
+              <a:t>5/29/23</a:t>
             </a:fld>
             <a:endParaRPr lang="en-US"/>
           </a:p>
@@ -389,7 +388,7 @@
           <a:p>
             <a:fld id="{C86AD16C-2DB4-6642-BAD4-9ED973A087A0}" type="datetimeFigureOut">
               <a:rPr lang="en-US" smtClean="0"/>
-              <a:t>10/27/22</a:t>
+              <a:t>5/29/23</a:t>
             </a:fld>
             <a:endParaRPr lang="en-US"/>
           </a:p>
@@ -890,7 +889,7 @@
           <a:p>
             <a:fld id="{1E5BF589-3978-3C45-966B-D7B7A71F2A02}" type="slidenum">
               <a:rPr lang="en-US" smtClean="0"/>
-              <a:t>7</a:t>
+              <a:t>6</a:t>
             </a:fld>
             <a:endParaRPr lang="en-US"/>
           </a:p>
@@ -1100,9 +1099,9 @@
           <a:bodyPr/>
           <a:lstStyle/>
           <a:p>
-            <a:fld id="{7407431C-7AA3-BA4F-9955-41E3F765721F}" type="datetime1">
+            <a:fld id="{B43FAC15-5015-E840-84A4-D7EFA4FAF9DE}" type="datetime1">
               <a:rPr lang="en-US" smtClean="0"/>
-              <a:t>10/27/22</a:t>
+              <a:t>5/29/23</a:t>
             </a:fld>
             <a:endParaRPr lang="en-US"/>
           </a:p>
@@ -1125,7 +1124,7 @@
           <a:p>
             <a:r>
               <a:rPr lang="en-US"/>
-              <a:t>© 2018, FLL Tutorials, Last Edit 9/02/2018</a:t>
+              <a:t>© 2023, FLLTutorials,com, Last Edit 5/29/2023</a:t>
             </a:r>
           </a:p>
         </p:txBody>
@@ -1696,9 +1695,9 @@
           <a:bodyPr/>
           <a:lstStyle/>
           <a:p>
-            <a:fld id="{B2DF10CD-1AF1-104E-9EED-BD0135C10D68}" type="datetime1">
+            <a:fld id="{2A05A64F-2C31-084E-887C-934EB9C1E774}" type="datetime1">
               <a:rPr lang="en-US" smtClean="0"/>
-              <a:t>10/27/22</a:t>
+              <a:t>5/29/23</a:t>
             </a:fld>
             <a:endParaRPr lang="en-US"/>
           </a:p>
@@ -1721,7 +1720,7 @@
           <a:p>
             <a:r>
               <a:rPr lang="en-US"/>
-              <a:t>© 2018, FLL Tutorials, Last Edit 9/02/2018</a:t>
+              <a:t>© 2023, FLLTutorials,com, Last Edit 5/29/2023</a:t>
             </a:r>
           </a:p>
         </p:txBody>
@@ -1877,9 +1876,9 @@
           <a:bodyPr/>
           <a:lstStyle/>
           <a:p>
-            <a:fld id="{59C51B1D-E3FA-BC44-82BF-92EE2F6F3080}" type="datetime1">
+            <a:fld id="{D4493E8F-4C0A-9D43-BC5E-1FBB66FC0DF6}" type="datetime1">
               <a:rPr lang="en-US" smtClean="0"/>
-              <a:t>10/27/22</a:t>
+              <a:t>5/29/23</a:t>
             </a:fld>
             <a:endParaRPr lang="en-US"/>
           </a:p>
@@ -1902,7 +1901,7 @@
           <a:p>
             <a:r>
               <a:rPr lang="en-US"/>
-              <a:t>© 2018, FLL Tutorials, Last Edit 9/02/2018</a:t>
+              <a:t>© 2023, FLLTutorials,com, Last Edit 5/29/2023</a:t>
             </a:r>
           </a:p>
         </p:txBody>
@@ -2093,9 +2092,9 @@
           <a:bodyPr/>
           <a:lstStyle/>
           <a:p>
-            <a:fld id="{786E84FA-792E-A245-AC9D-BF0F089305B4}" type="datetime1">
+            <a:fld id="{EF1EBE05-F951-994C-9508-FF07EF3B3C47}" type="datetime1">
               <a:rPr lang="en-US" smtClean="0"/>
-              <a:t>10/27/22</a:t>
+              <a:t>5/29/23</a:t>
             </a:fld>
             <a:endParaRPr lang="en-US"/>
           </a:p>
@@ -2123,7 +2122,7 @@
           <a:p>
             <a:r>
               <a:rPr lang="en-US"/>
-              <a:t>© 2018, FLL Tutorials, Last Edit 9/02/2018</a:t>
+              <a:t>© 2023, FLLTutorials,com, Last Edit 5/29/2023</a:t>
             </a:r>
           </a:p>
         </p:txBody>
@@ -2313,7 +2312,7 @@
           <a:noFill/>
           <a:extLst>
             <a:ext uri="{909E8E84-426E-40dd-AFC4-6F175D3DCCD1}">
-              <a14:hiddenFill xmlns="" xmlns:a14="http://schemas.microsoft.com/office/drawing/2010/main">
+              <a14:hiddenFill xmlns:a14="http://schemas.microsoft.com/office/drawing/2010/main" xmlns="">
                 <a:solidFill>
                   <a:srgbClr val="FFFFFF"/>
                 </a:solidFill>
@@ -2937,9 +2936,9 @@
           <a:bodyPr/>
           <a:lstStyle/>
           <a:p>
-            <a:fld id="{B04A7B90-21AE-B14E-9702-028F33E34F58}" type="datetime1">
+            <a:fld id="{6E976167-FF53-A540-B414-761B0680C8DB}" type="datetime1">
               <a:rPr lang="en-US" smtClean="0"/>
-              <a:t>10/27/22</a:t>
+              <a:t>5/29/23</a:t>
             </a:fld>
             <a:endParaRPr lang="en-US"/>
           </a:p>
@@ -2962,7 +2961,7 @@
           <a:p>
             <a:r>
               <a:rPr lang="en-US"/>
-              <a:t>© 2018, FLL Tutorials, Last Edit 9/02/2018</a:t>
+              <a:t>© 2023, FLLTutorials,com, Last Edit 5/29/2023</a:t>
             </a:r>
           </a:p>
         </p:txBody>
@@ -3202,9 +3201,9 @@
           <a:bodyPr/>
           <a:lstStyle/>
           <a:p>
-            <a:fld id="{C873B9DF-6262-D646-A097-E01F2C6087E1}" type="datetime1">
+            <a:fld id="{8803DB05-24BF-D74A-A3E0-EC9AFC49785B}" type="datetime1">
               <a:rPr lang="en-US" smtClean="0"/>
-              <a:t>10/27/22</a:t>
+              <a:t>5/29/23</a:t>
             </a:fld>
             <a:endParaRPr lang="en-US"/>
           </a:p>
@@ -3258,7 +3257,7 @@
           <a:p>
             <a:r>
               <a:rPr lang="en-US"/>
-              <a:t>© 2018, FLL Tutorials, Last Edit 9/02/2018</a:t>
+              <a:t>© 2023, FLLTutorials,com, Last Edit 5/29/2023</a:t>
             </a:r>
           </a:p>
         </p:txBody>
@@ -3505,9 +3504,9 @@
           <a:bodyPr/>
           <a:lstStyle/>
           <a:p>
-            <a:fld id="{1860D043-71AD-8D41-9E9E-695817E9673F}" type="datetime1">
+            <a:fld id="{B5A139BF-B658-4E4E-82B5-987840B0DF16}" type="datetime1">
               <a:rPr lang="en-US" smtClean="0"/>
-              <a:t>10/27/22</a:t>
+              <a:t>5/29/23</a:t>
             </a:fld>
             <a:endParaRPr lang="en-US"/>
           </a:p>
@@ -3530,7 +3529,7 @@
           <a:p>
             <a:r>
               <a:rPr lang="en-US"/>
-              <a:t>© 2018, FLL Tutorials, Last Edit 9/02/2018</a:t>
+              <a:t>© 2023, FLLTutorials,com, Last Edit 5/29/2023</a:t>
             </a:r>
           </a:p>
         </p:txBody>
@@ -3959,9 +3958,9 @@
           <a:bodyPr/>
           <a:lstStyle/>
           <a:p>
-            <a:fld id="{A6AF0BEB-8239-4645-BC5E-C64824903550}" type="datetime1">
+            <a:fld id="{BC8F8947-56E1-9D44-B786-581E7575A8CC}" type="datetime1">
               <a:rPr lang="en-US" smtClean="0"/>
-              <a:t>10/27/22</a:t>
+              <a:t>5/29/23</a:t>
             </a:fld>
             <a:endParaRPr lang="en-US"/>
           </a:p>
@@ -3984,7 +3983,7 @@
           <a:p>
             <a:r>
               <a:rPr lang="en-US"/>
-              <a:t>© 2018, FLL Tutorials, Last Edit 9/02/2018</a:t>
+              <a:t>© 2023, FLLTutorials,com, Last Edit 5/29/2023</a:t>
             </a:r>
           </a:p>
         </p:txBody>
@@ -4087,9 +4086,9 @@
           <a:bodyPr/>
           <a:lstStyle/>
           <a:p>
-            <a:fld id="{16A6B502-D0AE-2C4E-9A89-E26AA404D473}" type="datetime1">
+            <a:fld id="{93D23024-1C43-2444-97B1-3EFB962550CA}" type="datetime1">
               <a:rPr lang="en-US" smtClean="0"/>
-              <a:t>10/27/22</a:t>
+              <a:t>5/29/23</a:t>
             </a:fld>
             <a:endParaRPr lang="en-US"/>
           </a:p>
@@ -4112,7 +4111,7 @@
           <a:p>
             <a:r>
               <a:rPr lang="en-US"/>
-              <a:t>© 2018, FLL Tutorials, Last Edit 9/02/2018</a:t>
+              <a:t>© 2023, FLLTutorials,com, Last Edit 5/29/2023</a:t>
             </a:r>
           </a:p>
         </p:txBody>
@@ -4193,9 +4192,9 @@
           <a:bodyPr/>
           <a:lstStyle/>
           <a:p>
-            <a:fld id="{153162EA-326B-4047-95C5-E225D426827E}" type="datetime1">
+            <a:fld id="{00D674AC-7461-F547-8C1D-E9810895DB16}" type="datetime1">
               <a:rPr lang="en-US" smtClean="0"/>
-              <a:t>10/27/22</a:t>
+              <a:t>5/29/23</a:t>
             </a:fld>
             <a:endParaRPr lang="en-US"/>
           </a:p>
@@ -4218,7 +4217,7 @@
           <a:p>
             <a:r>
               <a:rPr lang="en-US"/>
-              <a:t>© 2018, FLL Tutorials, Last Edit 9/02/2018</a:t>
+              <a:t>© 2023, FLLTutorials,com, Last Edit 5/29/2023</a:t>
             </a:r>
           </a:p>
         </p:txBody>
@@ -4451,9 +4450,9 @@
           <a:bodyPr/>
           <a:lstStyle/>
           <a:p>
-            <a:fld id="{27A8D1BD-2D22-5249-9999-BB6CD7E6E59E}" type="datetime1">
+            <a:fld id="{D6A63DA8-EEF6-5C4A-AC00-A27793CEE9C4}" type="datetime1">
               <a:rPr lang="en-US" smtClean="0"/>
-              <a:t>10/27/22</a:t>
+              <a:t>5/29/23</a:t>
             </a:fld>
             <a:endParaRPr lang="en-US"/>
           </a:p>
@@ -4476,7 +4475,7 @@
           <a:p>
             <a:r>
               <a:rPr lang="en-US"/>
-              <a:t>© 2018, FLL Tutorials, Last Edit 9/02/2018</a:t>
+              <a:t>© 2023, FLLTutorials,com, Last Edit 5/29/2023</a:t>
             </a:r>
           </a:p>
         </p:txBody>
@@ -4663,9 +4662,9 @@
           <a:bodyPr/>
           <a:lstStyle/>
           <a:p>
-            <a:fld id="{4388DCA7-4F1D-B841-893C-1742E22A9C33}" type="datetime1">
+            <a:fld id="{0BC21FE1-7F8E-4C4E-AE45-8C6E8F1376E6}" type="datetime1">
               <a:rPr lang="en-US" smtClean="0"/>
-              <a:t>10/27/22</a:t>
+              <a:t>5/29/23</a:t>
             </a:fld>
             <a:endParaRPr lang="en-US"/>
           </a:p>
@@ -4688,7 +4687,7 @@
           <a:p>
             <a:r>
               <a:rPr lang="en-US"/>
-              <a:t>© 2018, FLL Tutorials, Last Edit 9/02/2018</a:t>
+              <a:t>© 2023, FLLTutorials,com, Last Edit 5/29/2023</a:t>
             </a:r>
           </a:p>
         </p:txBody>
@@ -4946,9 +4945,9 @@
           <a:bodyPr/>
           <a:lstStyle/>
           <a:p>
-            <a:fld id="{AC6B8149-BE11-4749-AF98-849FAC576E7C}" type="datetime1">
+            <a:fld id="{7E654F21-F0DF-5C42-AE28-41491472CDF7}" type="datetime1">
               <a:rPr lang="en-US" smtClean="0"/>
-              <a:t>10/27/22</a:t>
+              <a:t>5/29/23</a:t>
             </a:fld>
             <a:endParaRPr lang="en-US"/>
           </a:p>
@@ -4971,7 +4970,7 @@
           <a:p>
             <a:r>
               <a:rPr lang="en-US"/>
-              <a:t>© 2018, FLL Tutorials, Last Edit 9/02/2018</a:t>
+              <a:t>© 2023, FLLTutorials,com, Last Edit 5/29/2023</a:t>
             </a:r>
           </a:p>
         </p:txBody>
@@ -5213,9 +5212,9 @@
           <a:bodyPr/>
           <a:lstStyle/>
           <a:p>
-            <a:fld id="{44C805FF-F4D0-C34B-BD16-2635FFA98EB1}" type="datetime1">
+            <a:fld id="{151313C9-1986-144D-8D08-2972E69AD698}" type="datetime1">
               <a:rPr lang="en-US" smtClean="0"/>
-              <a:t>10/27/22</a:t>
+              <a:t>5/29/23</a:t>
             </a:fld>
             <a:endParaRPr lang="en-US"/>
           </a:p>
@@ -5238,7 +5237,7 @@
           <a:p>
             <a:r>
               <a:rPr lang="en-US"/>
-              <a:t>© 2018, FLL Tutorials, Last Edit 9/02/2018</a:t>
+              <a:t>© 2023, FLLTutorials,com, Last Edit 5/29/2023</a:t>
             </a:r>
           </a:p>
         </p:txBody>
@@ -5402,9 +5401,9 @@
           <a:bodyPr/>
           <a:lstStyle/>
           <a:p>
-            <a:fld id="{6CE5A749-B28D-6C4E-80BE-12D3D584E2A4}" type="datetime1">
+            <a:fld id="{CA60785F-3800-6243-B0C6-EEF515A0355C}" type="datetime1">
               <a:rPr lang="en-US" smtClean="0"/>
-              <a:t>10/27/22</a:t>
+              <a:t>5/29/23</a:t>
             </a:fld>
             <a:endParaRPr lang="en-US"/>
           </a:p>
@@ -5427,7 +5426,7 @@
           <a:p>
             <a:r>
               <a:rPr lang="en-US"/>
-              <a:t>© 2018, FLL Tutorials, Last Edit 9/02/2018</a:t>
+              <a:t>© 2023, FLLTutorials,com, Last Edit 5/29/2023</a:t>
             </a:r>
           </a:p>
         </p:txBody>
@@ -5603,9 +5602,9 @@
           <a:bodyPr/>
           <a:lstStyle/>
           <a:p>
-            <a:fld id="{6CE8609D-602D-2C45-853B-DFE76DA949AB}" type="datetime1">
+            <a:fld id="{659360DC-49A2-C24E-9D1E-C4F04A7F139B}" type="datetime1">
               <a:rPr lang="en-US" smtClean="0"/>
-              <a:t>10/27/22</a:t>
+              <a:t>5/29/23</a:t>
             </a:fld>
             <a:endParaRPr lang="en-US"/>
           </a:p>
@@ -5628,7 +5627,7 @@
           <a:p>
             <a:r>
               <a:rPr lang="en-US"/>
-              <a:t>© 2018, FLL Tutorials, Last Edit 9/02/2018</a:t>
+              <a:t>© 2023, FLLTutorials,com, Last Edit 5/29/2023</a:t>
             </a:r>
           </a:p>
         </p:txBody>
@@ -5774,9 +5773,9 @@
           <a:bodyPr/>
           <a:lstStyle/>
           <a:p>
-            <a:fld id="{74199A5C-58D7-104C-BCA3-24AAF705B4D7}" type="datetime1">
+            <a:fld id="{310BD1B9-94FE-7A41-9F7F-FFF97C3F0B5D}" type="datetime1">
               <a:rPr lang="en-US" smtClean="0"/>
-              <a:t>10/27/22</a:t>
+              <a:t>5/29/23</a:t>
             </a:fld>
             <a:endParaRPr lang="en-US"/>
           </a:p>
@@ -5799,7 +5798,7 @@
           <a:p>
             <a:r>
               <a:rPr lang="en-US"/>
-              <a:t>© 2018, FLL Tutorials, Last Edit 9/02/2018</a:t>
+              <a:t>© 2023, FLLTutorials,com, Last Edit 5/29/2023</a:t>
             </a:r>
           </a:p>
         </p:txBody>
@@ -6022,9 +6021,9 @@
           <a:bodyPr/>
           <a:lstStyle/>
           <a:p>
-            <a:fld id="{947BE9C8-4C8B-D944-B706-53E2EB82B02D}" type="datetime1">
+            <a:fld id="{5982D404-AAEA-8F46-BDDA-AF67E42015E9}" type="datetime1">
               <a:rPr lang="en-US" smtClean="0"/>
-              <a:t>10/27/22</a:t>
+              <a:t>5/29/23</a:t>
             </a:fld>
             <a:endParaRPr lang="en-US"/>
           </a:p>
@@ -6047,7 +6046,7 @@
           <a:p>
             <a:r>
               <a:rPr lang="en-US"/>
-              <a:t>© 2018, FLL Tutorials, Last Edit 9/02/2018</a:t>
+              <a:t>© 2023, FLLTutorials,com, Last Edit 5/29/2023</a:t>
             </a:r>
           </a:p>
         </p:txBody>
@@ -6254,9 +6253,9 @@
           <a:bodyPr/>
           <a:lstStyle/>
           <a:p>
-            <a:fld id="{CC13E8CD-0554-F043-AD00-9EC7FE765F73}" type="datetime1">
+            <a:fld id="{E0EBC380-53E9-104E-BC0D-4F6C61A6DA13}" type="datetime1">
               <a:rPr lang="en-US" smtClean="0"/>
-              <a:t>10/27/22</a:t>
+              <a:t>5/29/23</a:t>
             </a:fld>
             <a:endParaRPr lang="en-US"/>
           </a:p>
@@ -6279,7 +6278,7 @@
           <a:p>
             <a:r>
               <a:rPr lang="en-US"/>
-              <a:t>© 2018, FLL Tutorials, Last Edit 9/02/2018</a:t>
+              <a:t>© 2023, FLLTutorials,com, Last Edit 5/29/2023</a:t>
             </a:r>
           </a:p>
         </p:txBody>
@@ -6621,9 +6620,9 @@
           <a:bodyPr/>
           <a:lstStyle/>
           <a:p>
-            <a:fld id="{0A8427F6-BB93-F342-8547-803D3B7117A1}" type="datetime1">
+            <a:fld id="{76AD2E66-CC54-314B-BF61-4D5AE26B1B98}" type="datetime1">
               <a:rPr lang="en-US" smtClean="0"/>
-              <a:t>10/27/22</a:t>
+              <a:t>5/29/23</a:t>
             </a:fld>
             <a:endParaRPr lang="en-US"/>
           </a:p>
@@ -6646,7 +6645,7 @@
           <a:p>
             <a:r>
               <a:rPr lang="en-US"/>
-              <a:t>© 2018, FLL Tutorials, Last Edit 9/02/2018</a:t>
+              <a:t>© 2023, FLLTutorials,com, Last Edit 5/29/2023</a:t>
             </a:r>
           </a:p>
         </p:txBody>
@@ -6741,9 +6740,9 @@
           <a:bodyPr/>
           <a:lstStyle/>
           <a:p>
-            <a:fld id="{55A2AF00-224C-1B46-B566-049822673348}" type="datetime1">
+            <a:fld id="{4D828F8E-7416-F54D-A230-02DF3849E1E8}" type="datetime1">
               <a:rPr lang="en-US" smtClean="0"/>
-              <a:t>10/27/22</a:t>
+              <a:t>5/29/23</a:t>
             </a:fld>
             <a:endParaRPr lang="en-US"/>
           </a:p>
@@ -6766,7 +6765,7 @@
           <a:p>
             <a:r>
               <a:rPr lang="en-US"/>
-              <a:t>© 2018, FLL Tutorials, Last Edit 9/02/2018</a:t>
+              <a:t>© 2023, FLLTutorials,com, Last Edit 5/29/2023</a:t>
             </a:r>
           </a:p>
         </p:txBody>
@@ -6839,9 +6838,9 @@
           <a:bodyPr/>
           <a:lstStyle/>
           <a:p>
-            <a:fld id="{4EECCBCB-25EA-1A44-A063-2E6DEBBFB553}" type="datetime1">
+            <a:fld id="{86A044B7-DCB2-8948-B3F8-749B076751FF}" type="datetime1">
               <a:rPr lang="en-US" smtClean="0"/>
-              <a:t>10/27/22</a:t>
+              <a:t>5/29/23</a:t>
             </a:fld>
             <a:endParaRPr lang="en-US"/>
           </a:p>
@@ -6864,7 +6863,7 @@
           <a:p>
             <a:r>
               <a:rPr lang="en-US"/>
-              <a:t>© 2018, FLL Tutorials, Last Edit 9/02/2018</a:t>
+              <a:t>© 2023, FLLTutorials,com, Last Edit 5/29/2023</a:t>
             </a:r>
           </a:p>
         </p:txBody>
@@ -7096,9 +7095,9 @@
           <a:bodyPr/>
           <a:lstStyle/>
           <a:p>
-            <a:fld id="{48B7359E-B971-4F47-93F6-86869520D41C}" type="datetime1">
+            <a:fld id="{2D536FB1-E42C-F44C-8BF1-1EDE4998BF19}" type="datetime1">
               <a:rPr lang="en-US" smtClean="0"/>
-              <a:t>10/27/22</a:t>
+              <a:t>5/29/23</a:t>
             </a:fld>
             <a:endParaRPr lang="en-US"/>
           </a:p>
@@ -7144,7 +7143,7 @@
           <a:p>
             <a:r>
               <a:rPr lang="en-US"/>
-              <a:t>© 2018, FLL Tutorials, Last Edit 9/02/2018</a:t>
+              <a:t>© 2023, FLLTutorials,com, Last Edit 5/29/2023</a:t>
             </a:r>
           </a:p>
         </p:txBody>
@@ -7374,9 +7373,9 @@
           <a:bodyPr/>
           <a:lstStyle/>
           <a:p>
-            <a:fld id="{A84C2888-E2B7-D641-ACAB-70DF8CCF6DFB}" type="datetime1">
+            <a:fld id="{8D0F3DAD-BCFF-C14E-ACB3-50B0659144E7}" type="datetime1">
               <a:rPr lang="en-US" smtClean="0"/>
-              <a:t>10/27/22</a:t>
+              <a:t>5/29/23</a:t>
             </a:fld>
             <a:endParaRPr lang="en-US"/>
           </a:p>
@@ -7399,7 +7398,7 @@
           <a:p>
             <a:r>
               <a:rPr lang="en-US"/>
-              <a:t>© 2018, FLL Tutorials, Last Edit 9/02/2018</a:t>
+              <a:t>© 2023, FLLTutorials,com, Last Edit 5/29/2023</a:t>
             </a:r>
           </a:p>
         </p:txBody>
@@ -7632,9 +7631,9 @@
           <a:bodyPr/>
           <a:lstStyle/>
           <a:p>
-            <a:fld id="{48067D2B-56A9-3548-BA78-0F7D21B7B168}" type="datetime1">
+            <a:fld id="{03AAE924-6F92-1141-B8B7-BCBF099703F0}" type="datetime1">
               <a:rPr lang="en-US" smtClean="0"/>
-              <a:t>10/27/22</a:t>
+              <a:t>5/29/23</a:t>
             </a:fld>
             <a:endParaRPr lang="en-US"/>
           </a:p>
@@ -7657,7 +7656,7 @@
           <a:p>
             <a:r>
               <a:rPr lang="en-US"/>
-              <a:t>© 2018, FLL Tutorials, Last Edit 9/02/2018</a:t>
+              <a:t>© 2023, FLLTutorials,com, Last Edit 5/29/2023</a:t>
             </a:r>
           </a:p>
         </p:txBody>
@@ -7803,9 +7802,9 @@
           <a:bodyPr/>
           <a:lstStyle/>
           <a:p>
-            <a:fld id="{BE9835D7-07D2-5844-A108-BCE86D49F7B1}" type="datetime1">
+            <a:fld id="{8343C48D-BF74-FC43-BD8D-DAF89F4BE14E}" type="datetime1">
               <a:rPr lang="en-US" smtClean="0"/>
-              <a:t>10/27/22</a:t>
+              <a:t>5/29/23</a:t>
             </a:fld>
             <a:endParaRPr lang="en-US"/>
           </a:p>
@@ -7828,7 +7827,7 @@
           <a:p>
             <a:r>
               <a:rPr lang="en-US"/>
-              <a:t>© 2018, FLL Tutorials, Last Edit 9/02/2018</a:t>
+              <a:t>© 2023, FLLTutorials,com, Last Edit 5/29/2023</a:t>
             </a:r>
           </a:p>
         </p:txBody>
@@ -7984,9 +7983,9 @@
           <a:bodyPr/>
           <a:lstStyle/>
           <a:p>
-            <a:fld id="{490B0215-9339-C649-8EF3-8DAA7842C375}" type="datetime1">
+            <a:fld id="{3D9E5BC1-4154-EB4D-B71F-24B2D1D1F9E1}" type="datetime1">
               <a:rPr lang="en-US" smtClean="0"/>
-              <a:t>10/27/22</a:t>
+              <a:t>5/29/23</a:t>
             </a:fld>
             <a:endParaRPr lang="en-US"/>
           </a:p>
@@ -8009,7 +8008,7 @@
           <a:p>
             <a:r>
               <a:rPr lang="en-US"/>
-              <a:t>© 2018, FLL Tutorials, Last Edit 9/02/2018</a:t>
+              <a:t>© 2023, FLLTutorials,com, Last Edit 5/29/2023</a:t>
             </a:r>
           </a:p>
         </p:txBody>
@@ -8241,9 +8240,9 @@
           <a:bodyPr/>
           <a:lstStyle/>
           <a:p>
-            <a:fld id="{3493C6D4-C051-314A-8EC8-1AC028A1C0B2}" type="datetime1">
+            <a:fld id="{5B897C13-F043-3A48-A7C0-E8347EE79936}" type="datetime1">
               <a:rPr lang="en-US" smtClean="0"/>
-              <a:t>10/27/22</a:t>
+              <a:t>5/29/23</a:t>
             </a:fld>
             <a:endParaRPr lang="en-US"/>
           </a:p>
@@ -8266,7 +8265,7 @@
           <a:p>
             <a:r>
               <a:rPr lang="en-US"/>
-              <a:t>© 2018, FLL Tutorials, Last Edit 9/02/2018</a:t>
+              <a:t>© 2023, FLLTutorials,com, Last Edit 5/29/2023</a:t>
             </a:r>
           </a:p>
         </p:txBody>
@@ -9265,9 +9264,9 @@
           <a:bodyPr/>
           <a:lstStyle/>
           <a:p>
-            <a:fld id="{0C723005-6B22-1C45-9FCB-9D672DCE9757}" type="datetime1">
+            <a:fld id="{8763B33A-3843-7640-9CDD-68F60DDC710D}" type="datetime1">
               <a:rPr lang="en-US" smtClean="0"/>
-              <a:t>10/27/22</a:t>
+              <a:t>5/29/23</a:t>
             </a:fld>
             <a:endParaRPr lang="en-US"/>
           </a:p>
@@ -9290,7 +9289,7 @@
           <a:p>
             <a:r>
               <a:rPr lang="en-US"/>
-              <a:t>© 2018, FLL Tutorials, Last Edit 9/02/2018</a:t>
+              <a:t>© 2023, FLLTutorials,com, Last Edit 5/29/2023</a:t>
             </a:r>
           </a:p>
         </p:txBody>
@@ -9527,9 +9526,9 @@
           <a:bodyPr/>
           <a:lstStyle/>
           <a:p>
-            <a:fld id="{DBAB3D4C-8EA3-1240-9199-77C441E3DB6A}" type="datetime1">
+            <a:fld id="{778A2D0E-0AC9-4E41-A1D8-05F4D1BC50A1}" type="datetime1">
               <a:rPr lang="en-US" smtClean="0"/>
-              <a:t>10/27/22</a:t>
+              <a:t>5/29/23</a:t>
             </a:fld>
             <a:endParaRPr lang="en-US"/>
           </a:p>
@@ -9575,7 +9574,7 @@
           <a:p>
             <a:r>
               <a:rPr lang="en-US"/>
-              <a:t>© 2018, FLL Tutorials, Last Edit 9/02/2018</a:t>
+              <a:t>© 2023, FLLTutorials,com, Last Edit 5/29/2023</a:t>
             </a:r>
           </a:p>
         </p:txBody>
@@ -9822,9 +9821,9 @@
           <a:bodyPr/>
           <a:lstStyle/>
           <a:p>
-            <a:fld id="{88DBFD65-2015-374A-8CEB-84B169061D79}" type="datetime1">
+            <a:fld id="{B9EF8BF9-ED09-B448-BBD1-6F823266CEF0}" type="datetime1">
               <a:rPr lang="en-US" smtClean="0"/>
-              <a:t>10/27/22</a:t>
+              <a:t>5/29/23</a:t>
             </a:fld>
             <a:endParaRPr lang="en-US"/>
           </a:p>
@@ -9847,7 +9846,7 @@
           <a:p>
             <a:r>
               <a:rPr lang="en-US"/>
-              <a:t>© 2018, FLL Tutorials, Last Edit 9/02/2018</a:t>
+              <a:t>© 2023, FLLTutorials,com, Last Edit 5/29/2023</a:t>
             </a:r>
           </a:p>
         </p:txBody>
@@ -10268,9 +10267,9 @@
           <a:bodyPr/>
           <a:lstStyle/>
           <a:p>
-            <a:fld id="{92063A14-6ACE-9E4F-8ACE-D6FEAAFA6E1A}" type="datetime1">
+            <a:fld id="{4369D99A-628B-7148-80F2-C1DAC7DE9A06}" type="datetime1">
               <a:rPr lang="en-US" smtClean="0"/>
-              <a:t>10/27/22</a:t>
+              <a:t>5/29/23</a:t>
             </a:fld>
             <a:endParaRPr lang="en-US"/>
           </a:p>
@@ -10293,7 +10292,7 @@
           <a:p>
             <a:r>
               <a:rPr lang="en-US"/>
-              <a:t>© 2018, FLL Tutorials, Last Edit 9/02/2018</a:t>
+              <a:t>© 2023, FLLTutorials,com, Last Edit 5/29/2023</a:t>
             </a:r>
           </a:p>
         </p:txBody>
@@ -10388,9 +10387,9 @@
           <a:bodyPr/>
           <a:lstStyle/>
           <a:p>
-            <a:fld id="{64CA2518-3620-D044-AECA-57030958B0EE}" type="datetime1">
+            <a:fld id="{B1761959-4A9D-EF44-9392-A0BECBC16FA8}" type="datetime1">
               <a:rPr lang="en-US" smtClean="0"/>
-              <a:t>10/27/22</a:t>
+              <a:t>5/29/23</a:t>
             </a:fld>
             <a:endParaRPr lang="en-US"/>
           </a:p>
@@ -10413,7 +10412,7 @@
           <a:p>
             <a:r>
               <a:rPr lang="en-US"/>
-              <a:t>© 2018, FLL Tutorials, Last Edit 9/02/2018</a:t>
+              <a:t>© 2023, FLLTutorials,com, Last Edit 5/29/2023</a:t>
             </a:r>
           </a:p>
         </p:txBody>
@@ -10682,9 +10681,9 @@
           <a:bodyPr/>
           <a:lstStyle/>
           <a:p>
-            <a:fld id="{A4C4B1FB-D790-2444-AFBA-C25C5EFB023F}" type="datetime1">
+            <a:fld id="{2F7C4B4C-A0D7-0B40-A5AE-9F68C251A251}" type="datetime1">
               <a:rPr lang="en-US" smtClean="0"/>
-              <a:t>10/27/22</a:t>
+              <a:t>5/29/23</a:t>
             </a:fld>
             <a:endParaRPr lang="en-US"/>
           </a:p>
@@ -10707,7 +10706,7 @@
           <a:p>
             <a:r>
               <a:rPr lang="en-US"/>
-              <a:t>© 2018, FLL Tutorials, Last Edit 9/02/2018</a:t>
+              <a:t>© 2023, FLLTutorials,com, Last Edit 5/29/2023</a:t>
             </a:r>
           </a:p>
         </p:txBody>
@@ -10780,9 +10779,9 @@
           <a:bodyPr/>
           <a:lstStyle/>
           <a:p>
-            <a:fld id="{FA568A6E-70C3-5F43-A729-B2AF0EC95F95}" type="datetime1">
+            <a:fld id="{AB115394-C4E4-964A-BCDC-1DE82418843D}" type="datetime1">
               <a:rPr lang="en-US" smtClean="0"/>
-              <a:t>10/27/22</a:t>
+              <a:t>5/29/23</a:t>
             </a:fld>
             <a:endParaRPr lang="en-US"/>
           </a:p>
@@ -10805,7 +10804,7 @@
           <a:p>
             <a:r>
               <a:rPr lang="en-US"/>
-              <a:t>© 2018, FLL Tutorials, Last Edit 9/02/2018</a:t>
+              <a:t>© 2023, FLLTutorials,com, Last Edit 5/29/2023</a:t>
             </a:r>
           </a:p>
         </p:txBody>
@@ -11030,9 +11029,9 @@
           <a:bodyPr/>
           <a:lstStyle/>
           <a:p>
-            <a:fld id="{0EDC0C94-716B-0249-B0B5-1CFC81D98C3D}" type="datetime1">
+            <a:fld id="{92B360C2-CD0B-1E47-9FE5-5DE7731507FE}" type="datetime1">
               <a:rPr lang="en-US" smtClean="0"/>
-              <a:t>10/27/22</a:t>
+              <a:t>5/29/23</a:t>
             </a:fld>
             <a:endParaRPr lang="en-US"/>
           </a:p>
@@ -11055,7 +11054,7 @@
           <a:p>
             <a:r>
               <a:rPr lang="en-US"/>
-              <a:t>© 2018, FLL Tutorials, Last Edit 9/02/2018</a:t>
+              <a:t>© 2023, FLLTutorials,com, Last Edit 5/29/2023</a:t>
             </a:r>
           </a:p>
         </p:txBody>
@@ -11330,9 +11329,9 @@
           <a:bodyPr/>
           <a:lstStyle/>
           <a:p>
-            <a:fld id="{8F07386C-5AF6-C24D-9257-EAEF0E43E9BA}" type="datetime1">
+            <a:fld id="{BF4BD4A9-8CA4-2A41-84FB-E3CD7FE15CE9}" type="datetime1">
               <a:rPr lang="en-US" smtClean="0"/>
-              <a:t>10/27/22</a:t>
+              <a:t>5/29/23</a:t>
             </a:fld>
             <a:endParaRPr lang="en-US"/>
           </a:p>
@@ -11355,7 +11354,7 @@
           <a:p>
             <a:r>
               <a:rPr lang="en-US"/>
-              <a:t>© 2018, FLL Tutorials, Last Edit 9/02/2018</a:t>
+              <a:t>© 2023, FLLTutorials,com, Last Edit 5/29/2023</a:t>
             </a:r>
           </a:p>
         </p:txBody>
@@ -11589,9 +11588,9 @@
           <a:bodyPr/>
           <a:lstStyle/>
           <a:p>
-            <a:fld id="{3DC0D2AC-541F-CE48-9140-25F6AE3FD6F7}" type="datetime1">
+            <a:fld id="{954A1711-480D-7945-A2B1-A04ED26DBF69}" type="datetime1">
               <a:rPr lang="en-US" smtClean="0"/>
-              <a:t>10/27/22</a:t>
+              <a:t>5/29/23</a:t>
             </a:fld>
             <a:endParaRPr lang="en-US"/>
           </a:p>
@@ -11614,7 +11613,7 @@
           <a:p>
             <a:r>
               <a:rPr lang="en-US"/>
-              <a:t>© 2018, FLL Tutorials, Last Edit 9/02/2018</a:t>
+              <a:t>© 2023, FLLTutorials,com, Last Edit 5/29/2023</a:t>
             </a:r>
           </a:p>
         </p:txBody>
@@ -11770,9 +11769,9 @@
           <a:bodyPr/>
           <a:lstStyle/>
           <a:p>
-            <a:fld id="{FD8BCF7A-9596-B84E-9C6D-FB31FBAB0F9E}" type="datetime1">
+            <a:fld id="{0CCF1F71-AA6D-7642-8453-DF8DF51745B0}" type="datetime1">
               <a:rPr lang="en-US" smtClean="0"/>
-              <a:t>10/27/22</a:t>
+              <a:t>5/29/23</a:t>
             </a:fld>
             <a:endParaRPr lang="en-US"/>
           </a:p>
@@ -11795,7 +11794,7 @@
           <a:p>
             <a:r>
               <a:rPr lang="en-US"/>
-              <a:t>© 2018, FLL Tutorials, Last Edit 9/02/2018</a:t>
+              <a:t>© 2023, FLLTutorials,com, Last Edit 5/29/2023</a:t>
             </a:r>
           </a:p>
         </p:txBody>
@@ -11986,9 +11985,9 @@
           <a:bodyPr/>
           <a:lstStyle/>
           <a:p>
-            <a:fld id="{D9D77C44-59CC-974A-8997-B27E27FE9626}" type="datetime1">
+            <a:fld id="{E006E398-1F6F-5947-8084-D9A8814CC748}" type="datetime1">
               <a:rPr lang="en-US" smtClean="0"/>
-              <a:t>10/27/22</a:t>
+              <a:t>5/29/23</a:t>
             </a:fld>
             <a:endParaRPr lang="en-US"/>
           </a:p>
@@ -12016,7 +12015,7 @@
           <a:p>
             <a:r>
               <a:rPr lang="en-US"/>
-              <a:t>© 2018, FLL Tutorials, Last Edit 9/02/2018</a:t>
+              <a:t>© 2023, FLLTutorials,com, Last Edit 5/29/2023</a:t>
             </a:r>
           </a:p>
         </p:txBody>
@@ -13242,9 +13241,9 @@
           <a:bodyPr/>
           <a:lstStyle/>
           <a:p>
-            <a:fld id="{28ECFE6A-D09F-6B40-9AF0-569AB879C41A}" type="datetime1">
+            <a:fld id="{296DBAE7-0A26-3545-A4B5-2FF3A8629999}" type="datetime1">
               <a:rPr lang="en-US" smtClean="0"/>
-              <a:t>10/27/22</a:t>
+              <a:t>5/29/23</a:t>
             </a:fld>
             <a:endParaRPr lang="en-US"/>
           </a:p>
@@ -13267,7 +13266,7 @@
           <a:p>
             <a:r>
               <a:rPr lang="en-US"/>
-              <a:t>© 2018, FLL Tutorials, Last Edit 9/02/2018</a:t>
+              <a:t>© 2023, FLLTutorials,com, Last Edit 5/29/2023</a:t>
             </a:r>
           </a:p>
         </p:txBody>
@@ -13507,9 +13506,9 @@
           <a:bodyPr/>
           <a:lstStyle/>
           <a:p>
-            <a:fld id="{2EE637DF-907F-4348-A56E-AF42BB893C2B}" type="datetime1">
+            <a:fld id="{48038592-E1A6-2842-B585-29FA9180DA9A}" type="datetime1">
               <a:rPr lang="en-US" smtClean="0"/>
-              <a:t>10/27/22</a:t>
+              <a:t>5/29/23</a:t>
             </a:fld>
             <a:endParaRPr lang="en-US"/>
           </a:p>
@@ -13563,7 +13562,7 @@
           <a:p>
             <a:r>
               <a:rPr lang="en-US"/>
-              <a:t>© 2018, FLL Tutorials, Last Edit 9/02/2018</a:t>
+              <a:t>© 2023, FLLTutorials,com, Last Edit 5/29/2023</a:t>
             </a:r>
           </a:p>
         </p:txBody>
@@ -13810,9 +13809,9 @@
           <a:bodyPr/>
           <a:lstStyle/>
           <a:p>
-            <a:fld id="{0B569DDC-2F63-B248-984E-1287141184FA}" type="datetime1">
+            <a:fld id="{8F38D746-9482-1449-8365-21812E06D1C5}" type="datetime1">
               <a:rPr lang="en-US" smtClean="0"/>
-              <a:t>10/27/22</a:t>
+              <a:t>5/29/23</a:t>
             </a:fld>
             <a:endParaRPr lang="en-US"/>
           </a:p>
@@ -13835,7 +13834,7 @@
           <a:p>
             <a:r>
               <a:rPr lang="en-US"/>
-              <a:t>© 2018, FLL Tutorials, Last Edit 9/02/2018</a:t>
+              <a:t>© 2023, FLLTutorials,com, Last Edit 5/29/2023</a:t>
             </a:r>
           </a:p>
         </p:txBody>
@@ -14264,9 +14263,9 @@
           <a:bodyPr/>
           <a:lstStyle/>
           <a:p>
-            <a:fld id="{83998531-B30B-194A-8066-C10704CA87D4}" type="datetime1">
+            <a:fld id="{5FFC855F-4766-784B-9AE8-19CAF74457D3}" type="datetime1">
               <a:rPr lang="en-US" smtClean="0"/>
-              <a:t>10/27/22</a:t>
+              <a:t>5/29/23</a:t>
             </a:fld>
             <a:endParaRPr lang="en-US"/>
           </a:p>
@@ -14289,7 +14288,7 @@
           <a:p>
             <a:r>
               <a:rPr lang="en-US"/>
-              <a:t>© 2018, FLL Tutorials, Last Edit 9/02/2018</a:t>
+              <a:t>© 2023, FLLTutorials,com, Last Edit 5/29/2023</a:t>
             </a:r>
           </a:p>
         </p:txBody>
@@ -14718,9 +14717,9 @@
           <a:bodyPr/>
           <a:lstStyle/>
           <a:p>
-            <a:fld id="{EF1B46FC-AB90-E74E-BB4D-C387C89725E1}" type="datetime1">
+            <a:fld id="{5F465805-6012-8048-BCE3-2BF2D550A6BA}" type="datetime1">
               <a:rPr lang="en-US" smtClean="0"/>
-              <a:t>10/27/22</a:t>
+              <a:t>5/29/23</a:t>
             </a:fld>
             <a:endParaRPr lang="en-US"/>
           </a:p>
@@ -14743,7 +14742,7 @@
           <a:p>
             <a:r>
               <a:rPr lang="en-US"/>
-              <a:t>© 2018, FLL Tutorials, Last Edit 9/02/2018</a:t>
+              <a:t>© 2023, FLLTutorials,com, Last Edit 5/29/2023</a:t>
             </a:r>
           </a:p>
         </p:txBody>
@@ -14838,9 +14837,9 @@
           <a:bodyPr/>
           <a:lstStyle/>
           <a:p>
-            <a:fld id="{1F27B00F-3ADA-A343-857A-6A5E89F7B2DA}" type="datetime1">
+            <a:fld id="{B88FD003-E58D-9A40-8546-A5FBCAD22DE9}" type="datetime1">
               <a:rPr lang="en-US" smtClean="0"/>
-              <a:t>10/27/22</a:t>
+              <a:t>5/29/23</a:t>
             </a:fld>
             <a:endParaRPr lang="en-US"/>
           </a:p>
@@ -14863,7 +14862,7 @@
           <a:p>
             <a:r>
               <a:rPr lang="en-US"/>
-              <a:t>© 2018, FLL Tutorials, Last Edit 9/02/2018</a:t>
+              <a:t>© 2023, FLLTutorials,com, Last Edit 5/29/2023</a:t>
             </a:r>
           </a:p>
         </p:txBody>
@@ -14944,9 +14943,9 @@
           <a:bodyPr/>
           <a:lstStyle/>
           <a:p>
-            <a:fld id="{26474E33-04AA-CB45-947F-FBB2D2255C34}" type="datetime1">
+            <a:fld id="{14422BC0-46D7-3444-9D44-F3180E5B1708}" type="datetime1">
               <a:rPr lang="en-US" smtClean="0"/>
-              <a:t>10/27/22</a:t>
+              <a:t>5/29/23</a:t>
             </a:fld>
             <a:endParaRPr lang="en-US"/>
           </a:p>
@@ -14969,7 +14968,7 @@
           <a:p>
             <a:r>
               <a:rPr lang="en-US"/>
-              <a:t>© 2018, FLL Tutorials, Last Edit 9/02/2018</a:t>
+              <a:t>© 2023, FLLTutorials,com, Last Edit 5/29/2023</a:t>
             </a:r>
           </a:p>
         </p:txBody>
@@ -15202,9 +15201,9 @@
           <a:bodyPr/>
           <a:lstStyle/>
           <a:p>
-            <a:fld id="{997F9677-8375-694C-88D9-F210978A017A}" type="datetime1">
+            <a:fld id="{350AC2D3-AFC5-7941-B5E3-A3754EC129FB}" type="datetime1">
               <a:rPr lang="en-US" smtClean="0"/>
-              <a:t>10/27/22</a:t>
+              <a:t>5/29/23</a:t>
             </a:fld>
             <a:endParaRPr lang="en-US"/>
           </a:p>
@@ -15227,7 +15226,7 @@
           <a:p>
             <a:r>
               <a:rPr lang="en-US"/>
-              <a:t>© 2018, FLL Tutorials, Last Edit 9/02/2018</a:t>
+              <a:t>© 2023, FLLTutorials,com, Last Edit 5/29/2023</a:t>
             </a:r>
           </a:p>
         </p:txBody>
@@ -15510,9 +15509,9 @@
           <a:bodyPr/>
           <a:lstStyle/>
           <a:p>
-            <a:fld id="{039079F3-8D91-AD4A-9FD0-5FD84FB8FB0B}" type="datetime1">
+            <a:fld id="{E188DC04-9495-2442-ADBB-FAD00EBDCF60}" type="datetime1">
               <a:rPr lang="en-US" smtClean="0"/>
-              <a:t>10/27/22</a:t>
+              <a:t>5/29/23</a:t>
             </a:fld>
             <a:endParaRPr lang="en-US"/>
           </a:p>
@@ -15535,7 +15534,7 @@
           <a:p>
             <a:r>
               <a:rPr lang="en-US"/>
-              <a:t>© 2018, FLL Tutorials, Last Edit 9/02/2018</a:t>
+              <a:t>© 2023, FLLTutorials,com, Last Edit 5/29/2023</a:t>
             </a:r>
           </a:p>
         </p:txBody>
@@ -15777,9 +15776,9 @@
           <a:bodyPr/>
           <a:lstStyle/>
           <a:p>
-            <a:fld id="{0D6F9699-B24F-DA49-9B09-913EBCEBC123}" type="datetime1">
+            <a:fld id="{CD48AF8F-45C3-334E-8448-72AC3AACA801}" type="datetime1">
               <a:rPr lang="en-US" smtClean="0"/>
-              <a:t>10/27/22</a:t>
+              <a:t>5/29/23</a:t>
             </a:fld>
             <a:endParaRPr lang="en-US"/>
           </a:p>
@@ -15802,7 +15801,7 @@
           <a:p>
             <a:r>
               <a:rPr lang="en-US"/>
-              <a:t>© 2018, FLL Tutorials, Last Edit 9/02/2018</a:t>
+              <a:t>© 2023, FLLTutorials,com, Last Edit 5/29/2023</a:t>
             </a:r>
           </a:p>
         </p:txBody>
@@ -15966,9 +15965,9 @@
           <a:bodyPr/>
           <a:lstStyle/>
           <a:p>
-            <a:fld id="{288E1671-850E-8F4B-B0D7-414D365C161D}" type="datetime1">
+            <a:fld id="{7ABB0B4C-3BDA-DE48-8C6E-0D418C1A4600}" type="datetime1">
               <a:rPr lang="en-US" smtClean="0"/>
-              <a:t>10/27/22</a:t>
+              <a:t>5/29/23</a:t>
             </a:fld>
             <a:endParaRPr lang="en-US"/>
           </a:p>
@@ -15991,7 +15990,7 @@
           <a:p>
             <a:r>
               <a:rPr lang="en-US"/>
-              <a:t>© 2018, FLL Tutorials, Last Edit 9/02/2018</a:t>
+              <a:t>© 2023, FLLTutorials,com, Last Edit 5/29/2023</a:t>
             </a:r>
           </a:p>
         </p:txBody>
@@ -16167,9 +16166,9 @@
           <a:bodyPr/>
           <a:lstStyle/>
           <a:p>
-            <a:fld id="{B1AEDFBF-8690-FC46-8C92-AACC9C3D87A4}" type="datetime1">
+            <a:fld id="{2F836C01-55E4-6E4C-BF79-7A36EBC8799F}" type="datetime1">
               <a:rPr lang="en-US" smtClean="0"/>
-              <a:t>10/27/22</a:t>
+              <a:t>5/29/23</a:t>
             </a:fld>
             <a:endParaRPr lang="en-US"/>
           </a:p>
@@ -16192,7 +16191,7 @@
           <a:p>
             <a:r>
               <a:rPr lang="en-US"/>
-              <a:t>© 2018, FLL Tutorials, Last Edit 9/02/2018</a:t>
+              <a:t>© 2023, FLLTutorials,com, Last Edit 5/29/2023</a:t>
             </a:r>
           </a:p>
         </p:txBody>
@@ -16338,9 +16337,9 @@
           <a:bodyPr/>
           <a:lstStyle/>
           <a:p>
-            <a:fld id="{411B46AB-1CBE-724E-88E3-060D5D90CA43}" type="datetime1">
+            <a:fld id="{8F937305-3565-C24D-B7C8-B01230F39D0A}" type="datetime1">
               <a:rPr lang="en-US" smtClean="0"/>
-              <a:t>10/27/22</a:t>
+              <a:t>5/29/23</a:t>
             </a:fld>
             <a:endParaRPr lang="en-US"/>
           </a:p>
@@ -16363,7 +16362,7 @@
           <a:p>
             <a:r>
               <a:rPr lang="en-US"/>
-              <a:t>© 2018, FLL Tutorials, Last Edit 9/02/2018</a:t>
+              <a:t>© 2023, FLLTutorials,com, Last Edit 5/29/2023</a:t>
             </a:r>
           </a:p>
         </p:txBody>
@@ -16586,9 +16585,9 @@
           <a:bodyPr/>
           <a:lstStyle/>
           <a:p>
-            <a:fld id="{DF00341E-31DC-444D-A982-BD9076AA2C2E}" type="datetime1">
+            <a:fld id="{0520E7BD-1648-F545-9FA8-A6BBC1956D62}" type="datetime1">
               <a:rPr lang="en-US" smtClean="0"/>
-              <a:t>10/27/22</a:t>
+              <a:t>5/29/23</a:t>
             </a:fld>
             <a:endParaRPr lang="en-US"/>
           </a:p>
@@ -16611,7 +16610,7 @@
           <a:p>
             <a:r>
               <a:rPr lang="en-US"/>
-              <a:t>© 2018, FLL Tutorials, Last Edit 9/02/2018</a:t>
+              <a:t>© 2023, FLLTutorials,com, Last Edit 5/29/2023</a:t>
             </a:r>
           </a:p>
         </p:txBody>
@@ -16818,9 +16817,9 @@
           <a:bodyPr/>
           <a:lstStyle/>
           <a:p>
-            <a:fld id="{7F9E01E0-7EA1-954E-A7CD-FC66CD2DFC0D}" type="datetime1">
+            <a:fld id="{F7FB34DD-94ED-424A-836B-C1F154822D82}" type="datetime1">
               <a:rPr lang="en-US" smtClean="0"/>
-              <a:t>10/27/22</a:t>
+              <a:t>5/29/23</a:t>
             </a:fld>
             <a:endParaRPr lang="en-US"/>
           </a:p>
@@ -16843,7 +16842,7 @@
           <a:p>
             <a:r>
               <a:rPr lang="en-US"/>
-              <a:t>© 2018, FLL Tutorials, Last Edit 9/02/2018</a:t>
+              <a:t>© 2023, FLLTutorials,com, Last Edit 5/29/2023</a:t>
             </a:r>
           </a:p>
         </p:txBody>
@@ -16938,9 +16937,9 @@
           <a:bodyPr/>
           <a:lstStyle/>
           <a:p>
-            <a:fld id="{77C1455B-BEF5-FF42-A996-809D61C0F53A}" type="datetime1">
+            <a:fld id="{6BECF88C-A0F7-B345-BF27-8B2FF5AD91AD}" type="datetime1">
               <a:rPr lang="en-US" smtClean="0"/>
-              <a:t>10/27/22</a:t>
+              <a:t>5/29/23</a:t>
             </a:fld>
             <a:endParaRPr lang="en-US"/>
           </a:p>
@@ -16963,7 +16962,7 @@
           <a:p>
             <a:r>
               <a:rPr lang="en-US"/>
-              <a:t>© 2018, FLL Tutorials, Last Edit 9/02/2018</a:t>
+              <a:t>© 2023, FLLTutorials,com, Last Edit 5/29/2023</a:t>
             </a:r>
           </a:p>
         </p:txBody>
@@ -17305,9 +17304,9 @@
           <a:bodyPr/>
           <a:lstStyle/>
           <a:p>
-            <a:fld id="{A8254411-7E37-2E40-BEB7-55B2F7BB4E81}" type="datetime1">
+            <a:fld id="{0823A893-605F-2346-8633-671FDA1BB997}" type="datetime1">
               <a:rPr lang="en-US" smtClean="0"/>
-              <a:t>10/27/22</a:t>
+              <a:t>5/29/23</a:t>
             </a:fld>
             <a:endParaRPr lang="en-US"/>
           </a:p>
@@ -17330,7 +17329,7 @@
           <a:p>
             <a:r>
               <a:rPr lang="en-US"/>
-              <a:t>© 2018, FLL Tutorials, Last Edit 9/02/2018</a:t>
+              <a:t>© 2023, FLLTutorials,com, Last Edit 5/29/2023</a:t>
             </a:r>
           </a:p>
         </p:txBody>
@@ -17425,9 +17424,9 @@
           <a:bodyPr/>
           <a:lstStyle/>
           <a:p>
-            <a:fld id="{653F2B09-8A89-3B4D-969D-BE5621ECB75B}" type="datetime1">
+            <a:fld id="{0C51DFD6-F690-0A49-AB1A-49F938875844}" type="datetime1">
               <a:rPr lang="en-US" smtClean="0"/>
-              <a:t>10/27/22</a:t>
+              <a:t>5/29/23</a:t>
             </a:fld>
             <a:endParaRPr lang="en-US"/>
           </a:p>
@@ -17450,7 +17449,7 @@
           <a:p>
             <a:r>
               <a:rPr lang="en-US"/>
-              <a:t>© 2018, FLL Tutorials, Last Edit 9/02/2018</a:t>
+              <a:t>© 2023, FLLTutorials,com, Last Edit 5/29/2023</a:t>
             </a:r>
           </a:p>
         </p:txBody>
@@ -17523,9 +17522,9 @@
           <a:bodyPr/>
           <a:lstStyle/>
           <a:p>
-            <a:fld id="{F30492AC-33C8-CC42-8A71-9EAC2E3E8B47}" type="datetime1">
+            <a:fld id="{8A0A8C8F-6333-A54C-A742-98DAF78D22BA}" type="datetime1">
               <a:rPr lang="en-US" smtClean="0"/>
-              <a:t>10/27/22</a:t>
+              <a:t>5/29/23</a:t>
             </a:fld>
             <a:endParaRPr lang="en-US"/>
           </a:p>
@@ -17548,7 +17547,7 @@
           <a:p>
             <a:r>
               <a:rPr lang="en-US"/>
-              <a:t>© 2018, FLL Tutorials, Last Edit 9/02/2018</a:t>
+              <a:t>© 2023, FLLTutorials,com, Last Edit 5/29/2023</a:t>
             </a:r>
           </a:p>
         </p:txBody>
@@ -17801,9 +17800,9 @@
           <a:bodyPr/>
           <a:lstStyle/>
           <a:p>
-            <a:fld id="{B71CF886-0E05-2145-9C51-D8EA291F307E}" type="datetime1">
+            <a:fld id="{A3238B23-DF91-7347-8A61-BDA5B0401793}" type="datetime1">
               <a:rPr lang="en-US" smtClean="0"/>
-              <a:t>10/27/22</a:t>
+              <a:t>5/29/23</a:t>
             </a:fld>
             <a:endParaRPr lang="en-US"/>
           </a:p>
@@ -17826,7 +17825,7 @@
           <a:p>
             <a:r>
               <a:rPr lang="en-US"/>
-              <a:t>© 2018, FLL Tutorials, Last Edit 9/02/2018</a:t>
+              <a:t>© 2023, FLLTutorials,com, Last Edit 5/29/2023</a:t>
             </a:r>
           </a:p>
         </p:txBody>
@@ -18059,9 +18058,9 @@
           <a:bodyPr/>
           <a:lstStyle/>
           <a:p>
-            <a:fld id="{D4F6D8BF-4C51-6047-A346-1B1816FE7CEE}" type="datetime1">
+            <a:fld id="{F0379323-CECD-4D46-88ED-79EF9A7FFB42}" type="datetime1">
               <a:rPr lang="en-US" smtClean="0"/>
-              <a:t>10/27/22</a:t>
+              <a:t>5/29/23</a:t>
             </a:fld>
             <a:endParaRPr lang="en-US"/>
           </a:p>
@@ -18084,7 +18083,7 @@
           <a:p>
             <a:r>
               <a:rPr lang="en-US"/>
-              <a:t>© 2018, FLL Tutorials, Last Edit 9/02/2018</a:t>
+              <a:t>© 2023, FLLTutorials,com, Last Edit 5/29/2023</a:t>
             </a:r>
           </a:p>
         </p:txBody>
@@ -18230,9 +18229,9 @@
           <a:bodyPr/>
           <a:lstStyle/>
           <a:p>
-            <a:fld id="{749D5ED2-EEF1-2A48-891C-5BCC8F9D9B4D}" type="datetime1">
+            <a:fld id="{D376B12C-6A28-C34A-AF73-623FEF0E58A2}" type="datetime1">
               <a:rPr lang="en-US" smtClean="0"/>
-              <a:t>10/27/22</a:t>
+              <a:t>5/29/23</a:t>
             </a:fld>
             <a:endParaRPr lang="en-US"/>
           </a:p>
@@ -18255,7 +18254,7 @@
           <a:p>
             <a:r>
               <a:rPr lang="en-US"/>
-              <a:t>© 2018, FLL Tutorials, Last Edit 9/02/2018</a:t>
+              <a:t>© 2023, FLLTutorials,com, Last Edit 5/29/2023</a:t>
             </a:r>
           </a:p>
         </p:txBody>
@@ -18411,9 +18410,9 @@
           <a:bodyPr/>
           <a:lstStyle/>
           <a:p>
-            <a:fld id="{C4CFCBA2-5035-CB47-8C65-A7D2DBF9D9C5}" type="datetime1">
+            <a:fld id="{2129FC27-149F-724D-AEC1-DAC8A74D0F1A}" type="datetime1">
               <a:rPr lang="en-US" smtClean="0"/>
-              <a:t>10/27/22</a:t>
+              <a:t>5/29/23</a:t>
             </a:fld>
             <a:endParaRPr lang="en-US"/>
           </a:p>
@@ -18436,7 +18435,7 @@
           <a:p>
             <a:r>
               <a:rPr lang="en-US"/>
-              <a:t>© 2018, FLL Tutorials, Last Edit 9/02/2018</a:t>
+              <a:t>© 2023, FLLTutorials,com, Last Edit 5/29/2023</a:t>
             </a:r>
           </a:p>
         </p:txBody>
@@ -18728,9 +18727,9 @@
             </a:lvl1pPr>
           </a:lstStyle>
           <a:p>
-            <a:fld id="{E3E27A96-C989-EA40-B306-5457DD31362D}" type="datetime1">
+            <a:fld id="{4E1EBA06-EDE9-2644-B1EF-85485ED0987F}" type="datetime1">
               <a:rPr lang="en-US" smtClean="0"/>
-              <a:t>10/27/22</a:t>
+              <a:t>5/29/23</a:t>
             </a:fld>
             <a:endParaRPr lang="en-US"/>
           </a:p>
@@ -18772,7 +18771,7 @@
           <a:p>
             <a:r>
               <a:rPr lang="en-US"/>
-              <a:t>© 2018, FLL Tutorials, Last Edit 9/02/2018</a:t>
+              <a:t>© 2023, FLLTutorials,com, Last Edit 5/29/2023</a:t>
             </a:r>
           </a:p>
         </p:txBody>
@@ -19061,9 +19060,9 @@
             </a:lvl1pPr>
           </a:lstStyle>
           <a:p>
-            <a:fld id="{CDFBC13A-9F5D-4F44-B27B-5B30AD13148B}" type="datetime1">
+            <a:fld id="{FA74618B-57BA-E04D-A6FB-CC3CC8D2704C}" type="datetime1">
               <a:rPr lang="en-US" smtClean="0"/>
-              <a:t>10/27/22</a:t>
+              <a:t>5/29/23</a:t>
             </a:fld>
             <a:endParaRPr lang="en-US"/>
           </a:p>
@@ -19108,7 +19107,7 @@
           <a:p>
             <a:r>
               <a:rPr lang="en-US"/>
-              <a:t>© 2018, FLL Tutorials, Last Edit 9/02/2018</a:t>
+              <a:t>© 2023, FLLTutorials,com, Last Edit 5/29/2023</a:t>
             </a:r>
           </a:p>
         </p:txBody>
@@ -19515,7 +19514,7 @@
             <a:fld id="{B61BEF0D-F0BB-DE4B-95CE-6DB70DBA9567}" type="datetimeFigureOut">
               <a:rPr lang="en-US" smtClean="0"/>
               <a:pPr/>
-              <a:t>10/27/22</a:t>
+              <a:t>5/29/23</a:t>
             </a:fld>
             <a:endParaRPr lang="en-US" dirty="0"/>
           </a:p>
@@ -19831,9 +19830,9 @@
           <a:bodyPr/>
           <a:lstStyle/>
           <a:p>
-            <a:fld id="{9C24EE85-F29C-1C44-85F0-ACCB45C7F720}" type="datetime1">
+            <a:fld id="{A477CC24-9D41-8840-8854-F785D1CE62B2}" type="datetime1">
               <a:rPr lang="en-US" smtClean="0"/>
-              <a:t>10/27/22</a:t>
+              <a:t>5/29/23</a:t>
             </a:fld>
             <a:endParaRPr lang="en-US"/>
           </a:p>
@@ -19856,7 +19855,7 @@
           <a:p>
             <a:r>
               <a:rPr lang="en-US"/>
-              <a:t>© 2018, FLL Tutorials, Last Edit 9/02/2018</a:t>
+              <a:t>© 2023, FLLTutorials,com, Last Edit 5/29/2023</a:t>
             </a:r>
           </a:p>
         </p:txBody>
@@ -20117,9 +20116,9 @@
           <a:bodyPr/>
           <a:lstStyle/>
           <a:p>
-            <a:fld id="{17DFCF89-78C7-1741-A246-8D84A0A25EB1}" type="datetime1">
+            <a:fld id="{9F775A94-ED96-BB4E-82BD-9EA82E8BC13B}" type="datetime1">
               <a:rPr lang="en-US" smtClean="0"/>
-              <a:t>10/27/22</a:t>
+              <a:t>5/29/23</a:t>
             </a:fld>
             <a:endParaRPr lang="en-US"/>
           </a:p>
@@ -20150,7 +20149,7 @@
           <a:p>
             <a:r>
               <a:rPr lang="en-US"/>
-              <a:t>© 2018, FLL Tutorials, Last Edit 9/02/2018</a:t>
+              <a:t>© 2023, FLLTutorials,com, Last Edit 5/29/2023</a:t>
             </a:r>
           </a:p>
         </p:txBody>
@@ -20565,9 +20564,9 @@
           <a:bodyPr/>
           <a:lstStyle/>
           <a:p>
-            <a:fld id="{0F01E2B2-0E81-E840-99DD-88E365E7B2D8}" type="datetime1">
+            <a:fld id="{5070282C-EC1C-A74D-841A-C1F50FD96893}" type="datetime1">
               <a:rPr lang="en-US" smtClean="0"/>
-              <a:t>10/27/22</a:t>
+              <a:t>5/29/23</a:t>
             </a:fld>
             <a:endParaRPr lang="en-US"/>
           </a:p>
@@ -20598,7 +20597,7 @@
           <a:p>
             <a:r>
               <a:rPr lang="en-US"/>
-              <a:t>© 2018, FLL Tutorials, Last Edit 9/02/2018</a:t>
+              <a:t>© 2023, FLLTutorials,com, Last Edit 5/29/2023</a:t>
             </a:r>
           </a:p>
         </p:txBody>
@@ -20749,9 +20748,9 @@
           <a:bodyPr/>
           <a:lstStyle/>
           <a:p>
-            <a:fld id="{54EE1083-6A27-524A-B43A-2A881E3690DD}" type="datetime1">
+            <a:fld id="{38B56A7A-EC96-FD42-9BA4-4F9D61843DC2}" type="datetime1">
               <a:rPr lang="en-US" smtClean="0"/>
-              <a:t>10/27/22</a:t>
+              <a:t>5/29/23</a:t>
             </a:fld>
             <a:endParaRPr lang="en-US"/>
           </a:p>
@@ -20782,7 +20781,7 @@
           <a:p>
             <a:r>
               <a:rPr lang="en-US"/>
-              <a:t>© 2018, FLL Tutorials, Last Edit 9/02/2018</a:t>
+              <a:t>© 2023, FLLTutorials,com, Last Edit 5/29/2023</a:t>
             </a:r>
           </a:p>
         </p:txBody>
@@ -20871,9 +20870,9 @@
           <a:bodyPr/>
           <a:lstStyle/>
           <a:p>
-            <a:fld id="{DD47C94B-C1D6-6B4A-BFF7-BD1C80F7A696}" type="datetime1">
+            <a:fld id="{AEFD7B28-9DED-AA45-A947-5D948AB41521}" type="datetime1">
               <a:rPr lang="en-US" smtClean="0"/>
-              <a:t>10/27/22</a:t>
+              <a:t>5/29/23</a:t>
             </a:fld>
             <a:endParaRPr lang="en-US"/>
           </a:p>
@@ -20904,7 +20903,7 @@
           <a:p>
             <a:r>
               <a:rPr lang="en-US"/>
-              <a:t>© 2018, FLL Tutorials, Last Edit 9/02/2018</a:t>
+              <a:t>© 2023, FLLTutorials,com, Last Edit 5/29/2023</a:t>
             </a:r>
           </a:p>
         </p:txBody>
@@ -21276,9 +21275,9 @@
             </a:lvl1pPr>
           </a:lstStyle>
           <a:p>
-            <a:fld id="{DE71D4EE-C94F-ED46-96D7-FCB9222301EB}" type="datetime1">
+            <a:fld id="{694DC7FE-3376-1C45-AC85-098D53DD380F}" type="datetime1">
               <a:rPr lang="en-US" smtClean="0"/>
-              <a:t>10/27/22</a:t>
+              <a:t>5/29/23</a:t>
             </a:fld>
             <a:endParaRPr lang="en-US"/>
           </a:p>
@@ -21320,7 +21319,7 @@
           <a:p>
             <a:r>
               <a:rPr lang="en-US"/>
-              <a:t>© 2018, FLL Tutorials, Last Edit 9/02/2018</a:t>
+              <a:t>© 2023, FLLTutorials,com, Last Edit 5/29/2023</a:t>
             </a:r>
           </a:p>
         </p:txBody>
@@ -21592,9 +21591,9 @@
           <a:bodyPr/>
           <a:lstStyle/>
           <a:p>
-            <a:fld id="{74E03572-791D-1A41-8D6F-26ACA3F7E7E0}" type="datetime1">
+            <a:fld id="{D4018B28-ECB2-6544-97DF-E61C92100B16}" type="datetime1">
               <a:rPr lang="en-US" smtClean="0"/>
-              <a:t>10/27/22</a:t>
+              <a:t>5/29/23</a:t>
             </a:fld>
             <a:endParaRPr lang="en-US"/>
           </a:p>
@@ -21625,7 +21624,7 @@
           <a:p>
             <a:r>
               <a:rPr lang="en-US"/>
-              <a:t>© 2018, FLL Tutorials, Last Edit 9/02/2018</a:t>
+              <a:t>© 2023, FLLTutorials,com, Last Edit 5/29/2023</a:t>
             </a:r>
           </a:p>
         </p:txBody>
@@ -21844,9 +21843,9 @@
           <a:bodyPr/>
           <a:lstStyle/>
           <a:p>
-            <a:fld id="{D6A2BA99-446A-6843-9679-6C2ED0299CA1}" type="datetime1">
+            <a:fld id="{95B87A54-56BE-DA44-8F0A-C202368F1500}" type="datetime1">
               <a:rPr lang="en-US" smtClean="0"/>
-              <a:t>10/27/22</a:t>
+              <a:t>5/29/23</a:t>
             </a:fld>
             <a:endParaRPr lang="en-US"/>
           </a:p>
@@ -21877,7 +21876,7 @@
           <a:p>
             <a:r>
               <a:rPr lang="en-US"/>
-              <a:t>© 2018, FLL Tutorials, Last Edit 9/02/2018</a:t>
+              <a:t>© 2023, FLLTutorials,com, Last Edit 5/29/2023</a:t>
             </a:r>
           </a:p>
         </p:txBody>
@@ -22101,9 +22100,9 @@
             </a:lvl1pPr>
           </a:lstStyle>
           <a:p>
-            <a:fld id="{78EEF861-8136-164A-A36C-6CF3D93A4058}" type="datetime1">
+            <a:fld id="{324D2E2D-02DD-4240-B384-2624352F586D}" type="datetime1">
               <a:rPr lang="en-US" smtClean="0"/>
-              <a:t>10/27/22</a:t>
+              <a:t>5/29/23</a:t>
             </a:fld>
             <a:endParaRPr lang="en-US"/>
           </a:p>
@@ -22134,7 +22133,7 @@
           <a:p>
             <a:r>
               <a:rPr lang="en-US"/>
-              <a:t>© 2018, FLL Tutorials, Last Edit 9/02/2018</a:t>
+              <a:t>© 2023, FLLTutorials,com, Last Edit 5/29/2023</a:t>
             </a:r>
           </a:p>
         </p:txBody>
@@ -22378,9 +22377,9 @@
           <a:bodyPr/>
           <a:lstStyle/>
           <a:p>
-            <a:fld id="{CA636E37-C277-D94B-B7E6-7CCF14989C61}" type="datetime1">
+            <a:fld id="{2F9EBC7E-AED0-2140-9296-D7286C97B53C}" type="datetime1">
               <a:rPr lang="en-US" smtClean="0"/>
-              <a:t>10/27/22</a:t>
+              <a:t>5/29/23</a:t>
             </a:fld>
             <a:endParaRPr lang="en-US"/>
           </a:p>
@@ -22403,7 +22402,7 @@
           <a:p>
             <a:r>
               <a:rPr lang="en-US"/>
-              <a:t>© 2018, FLL Tutorials, Last Edit 9/02/2018</a:t>
+              <a:t>© 2023, FLLTutorials,com, Last Edit 5/29/2023</a:t>
             </a:r>
           </a:p>
         </p:txBody>
@@ -22678,9 +22677,9 @@
           <a:bodyPr/>
           <a:lstStyle/>
           <a:p>
-            <a:fld id="{5DCD7DF2-A1F1-9244-B93F-ED7F90402CFF}" type="datetime1">
+            <a:fld id="{A05E1AA0-1342-084F-AF11-C08BB1F5F7C2}" type="datetime1">
               <a:rPr lang="en-US" smtClean="0"/>
-              <a:t>10/27/22</a:t>
+              <a:t>5/29/23</a:t>
             </a:fld>
             <a:endParaRPr lang="en-US"/>
           </a:p>
@@ -22703,7 +22702,7 @@
           <a:p>
             <a:r>
               <a:rPr lang="en-US"/>
-              <a:t>© 2018, FLL Tutorials, Last Edit 9/02/2018</a:t>
+              <a:t>© 2023, FLLTutorials,com, Last Edit 5/29/2023</a:t>
             </a:r>
           </a:p>
         </p:txBody>
@@ -22979,9 +22978,9 @@
             </a:lvl1pPr>
           </a:lstStyle>
           <a:p>
-            <a:fld id="{AEAB2CE1-036B-6149-8BEE-0DE9BC29AA7A}" type="datetime1">
+            <a:fld id="{6C9F5D05-C679-0242-BB7E-BF085D6672AA}" type="datetime1">
               <a:rPr lang="en-US" smtClean="0"/>
-              <a:t>10/27/22</a:t>
+              <a:t>5/29/23</a:t>
             </a:fld>
             <a:endParaRPr lang="en-US"/>
           </a:p>
@@ -23020,7 +23019,7 @@
           <a:p>
             <a:r>
               <a:rPr lang="en-US"/>
-              <a:t>© 2018, FLL Tutorials, Last Edit 9/02/2018</a:t>
+              <a:t>© 2023, FLLTutorials,com, Last Edit 5/29/2023</a:t>
             </a:r>
           </a:p>
         </p:txBody>
@@ -23931,9 +23930,9 @@
             </a:lvl1pPr>
           </a:lstStyle>
           <a:p>
-            <a:fld id="{217112FF-32FC-214B-8D4B-72E9083C926E}" type="datetime1">
+            <a:fld id="{D19620F6-0F5D-E140-BC0C-007403664F31}" type="datetime1">
               <a:rPr lang="en-US" smtClean="0"/>
-              <a:t>10/27/22</a:t>
+              <a:t>5/29/23</a:t>
             </a:fld>
             <a:endParaRPr lang="en-US"/>
           </a:p>
@@ -23972,7 +23971,7 @@
           <a:p>
             <a:r>
               <a:rPr lang="en-US"/>
-              <a:t>© 2018, FLL Tutorials, Last Edit 9/02/2018</a:t>
+              <a:t>© 2023, FLLTutorials,com, Last Edit 5/29/2023</a:t>
             </a:r>
           </a:p>
         </p:txBody>
@@ -24989,9 +24988,9 @@
             </a:lvl1pPr>
           </a:lstStyle>
           <a:p>
-            <a:fld id="{D490704F-79EA-B242-A561-D817748EC2F5}" type="datetime1">
+            <a:fld id="{2C1C5A7C-936C-204C-92FD-D19048DF3EB2}" type="datetime1">
               <a:rPr lang="en-US" smtClean="0"/>
-              <a:t>10/27/22</a:t>
+              <a:t>5/29/23</a:t>
             </a:fld>
             <a:endParaRPr lang="en-US"/>
           </a:p>
@@ -25032,7 +25031,7 @@
           <a:p>
             <a:r>
               <a:rPr lang="en-US"/>
-              <a:t>© 2018, FLL Tutorials, Last Edit 9/02/2018</a:t>
+              <a:t>© 2023, FLLTutorials,com, Last Edit 5/29/2023</a:t>
             </a:r>
           </a:p>
         </p:txBody>
@@ -25531,9 +25530,9 @@
             </a:lvl1pPr>
           </a:lstStyle>
           <a:p>
-            <a:fld id="{C10D0552-5D4F-A44B-8B38-5897EEBFCA52}" type="datetime1">
+            <a:fld id="{1B88F5E4-A128-0441-AF02-8013967A99D3}" type="datetime1">
               <a:rPr lang="en-US" smtClean="0"/>
-              <a:t>10/27/22</a:t>
+              <a:t>5/29/23</a:t>
             </a:fld>
             <a:endParaRPr lang="en-US"/>
           </a:p>
@@ -25572,7 +25571,7 @@
           <a:p>
             <a:r>
               <a:rPr lang="en-US"/>
-              <a:t>© 2018, FLL Tutorials, Last Edit 9/02/2018</a:t>
+              <a:t>© 2023, FLLTutorials,com, Last Edit 5/29/2023</a:t>
             </a:r>
           </a:p>
         </p:txBody>
@@ -26900,9 +26899,9 @@
             </a:lvl1pPr>
           </a:lstStyle>
           <a:p>
-            <a:fld id="{67625A13-5BC2-9142-9A65-4F0F0BA387FC}" type="datetime1">
+            <a:fld id="{BADFEC82-373C-4340-B87F-A5104B8D361B}" type="datetime1">
               <a:rPr lang="en-US" smtClean="0"/>
-              <a:t>10/27/22</a:t>
+              <a:t>5/29/23</a:t>
             </a:fld>
             <a:endParaRPr lang="en-US"/>
           </a:p>
@@ -26941,7 +26940,7 @@
           <a:p>
             <a:r>
               <a:rPr lang="en-US"/>
-              <a:t>© 2018, FLL Tutorials, Last Edit 9/02/2018</a:t>
+              <a:t>© 2023, FLLTutorials,com, Last Edit 5/29/2023</a:t>
             </a:r>
           </a:p>
         </p:txBody>
@@ -27978,9 +27977,9 @@
             </a:lvl1pPr>
           </a:lstStyle>
           <a:p>
-            <a:fld id="{BD72946B-4FF2-4E49-8540-2EC3D2226E01}" type="datetime1">
+            <a:fld id="{06A8162E-EF1D-6E4E-AC48-4592777C75A3}" type="datetime1">
               <a:rPr lang="en-US" smtClean="0"/>
-              <a:t>10/27/22</a:t>
+              <a:t>5/29/23</a:t>
             </a:fld>
             <a:endParaRPr lang="en-US"/>
           </a:p>
@@ -28021,7 +28020,7 @@
           <a:p>
             <a:r>
               <a:rPr lang="en-US"/>
-              <a:t>© 2018, FLL Tutorials, Last Edit 9/02/2018</a:t>
+              <a:t>© 2023, FLLTutorials,com, Last Edit 5/29/2023</a:t>
             </a:r>
           </a:p>
         </p:txBody>
@@ -28640,9 +28639,9 @@
             </a:lvl1pPr>
           </a:lstStyle>
           <a:p>
-            <a:fld id="{4AF927B6-26D5-624F-9D2E-50699AF3378E}" type="datetime1">
+            <a:fld id="{BB399EF8-B9CC-6E43-A19D-C0B9D7212A0F}" type="datetime1">
               <a:rPr lang="en-US" smtClean="0"/>
-              <a:t>10/27/22</a:t>
+              <a:t>5/29/23</a:t>
             </a:fld>
             <a:endParaRPr lang="en-US"/>
           </a:p>
@@ -28690,7 +28689,7 @@
           <a:p>
             <a:r>
               <a:rPr lang="en-US"/>
-              <a:t>© 2018, FLL Tutorials, Last Edit 9/02/2018</a:t>
+              <a:t>© 2023, FLLTutorials,com, Last Edit 5/29/2023</a:t>
             </a:r>
           </a:p>
         </p:txBody>
@@ -29549,7 +29548,7 @@
           <a:p>
             <a:r>
               <a:rPr lang="en-US"/>
-              <a:t>© 2018, FLL Tutorials, Last Edit 9/02/2018</a:t>
+              <a:t>© 2023, FLLTutorials,com, Last Edit 5/29/2023</a:t>
             </a:r>
           </a:p>
         </p:txBody>
@@ -29672,7 +29671,13 @@
               <a:rPr lang="en-US" dirty="0">
                 <a:sym typeface="Wingdings" pitchFamily="2" charset="2"/>
               </a:rPr>
-              <a:t> Squaring on lines lessons on EV3Lessons.com.</a:t>
+              <a:t> Squaring on lines lessons on EV3Lessons.com and </a:t>
+            </a:r>
+            <a:r>
+              <a:rPr lang="en-US" dirty="0" err="1">
+                <a:sym typeface="Wingdings" pitchFamily="2" charset="2"/>
+              </a:rPr>
+              <a:t>PrimeLessons.org</a:t>
             </a:r>
             <a:endParaRPr lang="en-US" dirty="0"/>
           </a:p>
@@ -29701,7 +29706,7 @@
           <a:p>
             <a:r>
               <a:rPr lang="en-US"/>
-              <a:t>© 2018, FLL Tutorials, Last Edit 9/02/2018</a:t>
+              <a:t>© 2023, FLLTutorials,com, Last Edit 5/29/2023</a:t>
             </a:r>
           </a:p>
         </p:txBody>
@@ -30831,7 +30836,7 @@
           <a:p>
             <a:r>
               <a:rPr lang="en-US"/>
-              <a:t>© 2018, FLL Tutorials, Last Edit 9/02/2018</a:t>
+              <a:t>© 2023, FLLTutorials,com, Last Edit 5/29/2023</a:t>
             </a:r>
           </a:p>
         </p:txBody>
@@ -31272,7 +31277,7 @@
           <a:p>
             <a:r>
               <a:rPr lang="en-US"/>
-              <a:t>© 2018, FLL Tutorials, Last Edit 9/02/2018</a:t>
+              <a:t>© 2023, FLLTutorials,com, Last Edit 5/29/2023</a:t>
             </a:r>
           </a:p>
         </p:txBody>
@@ -31309,161 +31314,6 @@
       </p:grpSpPr>
       <p:sp>
         <p:nvSpPr>
-          <p:cNvPr id="2" name="Title 1">
-            <a:extLst>
-              <a:ext uri="{FF2B5EF4-FFF2-40B4-BE49-F238E27FC236}">
-                <a16:creationId xmlns:a16="http://schemas.microsoft.com/office/drawing/2014/main" id="{9D11FCF3-544A-524E-A30B-2A76305E42FB}"/>
-              </a:ext>
-            </a:extLst>
-          </p:cNvPr>
-          <p:cNvSpPr>
-            <a:spLocks noGrp="1"/>
-          </p:cNvSpPr>
-          <p:nvPr>
-            <p:ph type="title"/>
-          </p:nvPr>
-        </p:nvSpPr>
-        <p:spPr/>
-        <p:txBody>
-          <a:bodyPr/>
-          <a:lstStyle/>
-          <a:p>
-            <a:r>
-              <a:rPr lang="en-US" dirty="0"/>
-              <a:t>WHAT’S NEXT</a:t>
-            </a:r>
-          </a:p>
-        </p:txBody>
-      </p:sp>
-      <p:sp>
-        <p:nvSpPr>
-          <p:cNvPr id="3" name="Content Placeholder 2">
-            <a:extLst>
-              <a:ext uri="{FF2B5EF4-FFF2-40B4-BE49-F238E27FC236}">
-                <a16:creationId xmlns:a16="http://schemas.microsoft.com/office/drawing/2014/main" id="{C357AB34-9F6D-7640-A027-C5F25C084EDF}"/>
-              </a:ext>
-            </a:extLst>
-          </p:cNvPr>
-          <p:cNvSpPr>
-            <a:spLocks noGrp="1"/>
-          </p:cNvSpPr>
-          <p:nvPr>
-            <p:ph idx="1"/>
-          </p:nvPr>
-        </p:nvSpPr>
-        <p:spPr/>
-        <p:txBody>
-          <a:bodyPr>
-            <a:normAutofit fontScale="92500"/>
-          </a:bodyPr>
-          <a:lstStyle/>
-          <a:p>
-            <a:r>
-              <a:rPr lang="en-US" dirty="0"/>
-              <a:t>To program this solution, you should read the following lessons from EV3Lessons.com</a:t>
-            </a:r>
-          </a:p>
-          <a:p>
-            <a:pPr lvl="1"/>
-            <a:r>
-              <a:rPr lang="en-US" dirty="0" err="1"/>
-              <a:t>MyBlocks</a:t>
-            </a:r>
-            <a:r>
-              <a:rPr lang="en-US" dirty="0"/>
-              <a:t> with Inputs and Outputs</a:t>
-            </a:r>
-          </a:p>
-          <a:p>
-            <a:pPr lvl="1"/>
-            <a:r>
-              <a:rPr lang="en-US" dirty="0"/>
-              <a:t>Data Wires</a:t>
-            </a:r>
-          </a:p>
-          <a:p>
-            <a:pPr lvl="1"/>
-            <a:r>
-              <a:rPr lang="en-US" dirty="0"/>
-              <a:t>Parallel Beams</a:t>
-            </a:r>
-          </a:p>
-          <a:p>
-            <a:pPr lvl="1"/>
-            <a:r>
-              <a:rPr lang="en-US" dirty="0"/>
-              <a:t>Parallel Beam Synchronization</a:t>
-            </a:r>
-          </a:p>
-          <a:p>
-            <a:pPr lvl="1"/>
-            <a:r>
-              <a:rPr lang="en-US" dirty="0"/>
-              <a:t>Squaring on Lines</a:t>
-            </a:r>
-          </a:p>
-        </p:txBody>
-      </p:sp>
-      <p:sp>
-        <p:nvSpPr>
-          <p:cNvPr id="4" name="Footer Placeholder 3">
-            <a:extLst>
-              <a:ext uri="{FF2B5EF4-FFF2-40B4-BE49-F238E27FC236}">
-                <a16:creationId xmlns:a16="http://schemas.microsoft.com/office/drawing/2014/main" id="{2BA32AA1-D562-C641-BCF8-51C077DC3129}"/>
-              </a:ext>
-            </a:extLst>
-          </p:cNvPr>
-          <p:cNvSpPr>
-            <a:spLocks noGrp="1"/>
-          </p:cNvSpPr>
-          <p:nvPr>
-            <p:ph type="ftr" sz="quarter" idx="11"/>
-          </p:nvPr>
-        </p:nvSpPr>
-        <p:spPr/>
-        <p:txBody>
-          <a:bodyPr/>
-          <a:lstStyle/>
-          <a:p>
-            <a:r>
-              <a:rPr lang="en-US"/>
-              <a:t>© 2018, FLL Tutorials, Last Edit 9/02/2018</a:t>
-            </a:r>
-          </a:p>
-        </p:txBody>
-      </p:sp>
-    </p:spTree>
-    <p:extLst>
-      <p:ext uri="{BB962C8B-B14F-4D97-AF65-F5344CB8AC3E}">
-        <p14:creationId xmlns:p14="http://schemas.microsoft.com/office/powerpoint/2010/main" val="3931571820"/>
-      </p:ext>
-    </p:extLst>
-  </p:cSld>
-  <p:clrMapOvr>
-    <a:masterClrMapping/>
-  </p:clrMapOvr>
-</p:sld>
-</file>
-
-<file path=ppt/slides/slide7.xml><?xml version="1.0" encoding="utf-8"?>
-<p:sld xmlns:a="http://schemas.openxmlformats.org/drawingml/2006/main" xmlns:r="http://schemas.openxmlformats.org/officeDocument/2006/relationships" xmlns:p="http://schemas.openxmlformats.org/presentationml/2006/main">
-  <p:cSld>
-    <p:spTree>
-      <p:nvGrpSpPr>
-        <p:cNvPr id="1" name=""/>
-        <p:cNvGrpSpPr/>
-        <p:nvPr/>
-      </p:nvGrpSpPr>
-      <p:grpSpPr>
-        <a:xfrm>
-          <a:off x="0" y="0"/>
-          <a:ext cx="0" cy="0"/>
-          <a:chOff x="0" y="0"/>
-          <a:chExt cx="0" cy="0"/>
-        </a:xfrm>
-      </p:grpSpPr>
-      <p:sp>
-        <p:nvSpPr>
           <p:cNvPr id="2" name="Title 1"/>
           <p:cNvSpPr>
             <a:spLocks noGrp="1"/>
@@ -31540,11 +31390,21 @@
             </a:r>
             <a:r>
               <a:rPr lang="en-US" sz="2800" dirty="0"/>
-              <a:t> and </a:t>
+              <a:t>, </a:t>
             </a:r>
             <a:r>
               <a:rPr lang="en-US" sz="2800" dirty="0">
                 <a:hlinkClick r:id="rId4"/>
+              </a:rPr>
+              <a:t>www.primelessons.org</a:t>
+            </a:r>
+            <a:r>
+              <a:rPr lang="en-US" sz="2800" dirty="0"/>
+              <a:t> and </a:t>
+            </a:r>
+            <a:r>
+              <a:rPr lang="en-US" sz="2800" dirty="0">
+                <a:hlinkClick r:id="rId5"/>
               </a:rPr>
               <a:t>www.flltutorials.com</a:t>
             </a:r>
@@ -31576,7 +31436,7 @@
           <a:p>
             <a:r>
               <a:rPr lang="en-US"/>
-              <a:t>© 2018, FLL Tutorials, Last Edit 9/02/2018</a:t>
+              <a:t>© 2023, FLLTutorials,com, Last Edit 5/29/2023</a:t>
             </a:r>
           </a:p>
         </p:txBody>
@@ -31606,7 +31466,7 @@
           <a:effectLst/>
           <a:extLst>
             <a:ext uri="{91240B29-F687-4f45-9708-019B960494DF}">
-              <a14:hiddenLine xmlns:a14="http://schemas.microsoft.com/office/drawing/2010/main" xmlns="" w="9525">
+              <a14:hiddenLine xmlns="" xmlns:a14="http://schemas.microsoft.com/office/drawing/2010/main" w="9525">
                 <a:solidFill>
                   <a:schemeClr val="tx1"/>
                 </a:solidFill>
@@ -31616,7 +31476,7 @@
               </a14:hiddenLine>
             </a:ext>
             <a:ext uri="{AF507438-7753-43e0-B8FC-AC1667EBCBE1}">
-              <a14:hiddenEffects xmlns:a14="http://schemas.microsoft.com/office/drawing/2010/main" xmlns="">
+              <a14:hiddenEffects xmlns="" xmlns:a14="http://schemas.microsoft.com/office/drawing/2010/main">
                 <a:effectLst>
                   <a:outerShdw dist="35921" dir="2700000" algn="ctr" rotWithShape="0">
                     <a:schemeClr val="bg2"/>
@@ -31825,7 +31685,7 @@
                 </a:solidFill>
                 <a:effectLst/>
                 <a:latin typeface="Helvetica Neue"/>
-                <a:hlinkClick r:id="rId5"/>
+                <a:hlinkClick r:id="rId6"/>
               </a:rPr>
               <a:t>Creative Commons Attribution-</a:t>
             </a:r>
@@ -31839,7 +31699,7 @@
                 </a:solidFill>
                 <a:effectLst/>
                 <a:latin typeface="Helvetica Neue"/>
-                <a:hlinkClick r:id="rId5"/>
+                <a:hlinkClick r:id="rId6"/>
               </a:rPr>
               <a:t>NonCommercial</a:t>
             </a:r>
@@ -31853,7 +31713,7 @@
                 </a:solidFill>
                 <a:effectLst/>
                 <a:latin typeface="Helvetica Neue"/>
-                <a:hlinkClick r:id="rId5"/>
+                <a:hlinkClick r:id="rId6"/>
               </a:rPr>
               <a:t>-</a:t>
             </a:r>
@@ -31867,7 +31727,7 @@
                 </a:solidFill>
                 <a:effectLst/>
                 <a:latin typeface="Helvetica Neue"/>
-                <a:hlinkClick r:id="rId5"/>
+                <a:hlinkClick r:id="rId6"/>
               </a:rPr>
               <a:t>ShareAlike</a:t>
             </a:r>
@@ -31881,7 +31741,7 @@
                 </a:solidFill>
                 <a:effectLst/>
                 <a:latin typeface="Helvetica Neue"/>
-                <a:hlinkClick r:id="rId5"/>
+                <a:hlinkClick r:id="rId6"/>
               </a:rPr>
               <a:t> 4.0 International License</a:t>
             </a:r>
@@ -31926,7 +31786,7 @@
       <p:pic>
         <p:nvPicPr>
           <p:cNvPr id="6" name="Picture 2" descr="Creative Commons License">
-            <a:hlinkClick r:id="rId5"/>
+            <a:hlinkClick r:id="rId6"/>
           </p:cNvPr>
           <p:cNvPicPr>
             <a:picLocks noChangeAspect="1" noChangeArrowheads="1"/>
@@ -31934,7 +31794,7 @@
           <p:nvPr/>
         </p:nvPicPr>
         <p:blipFill>
-          <a:blip r:embed="rId6">
+          <a:blip r:embed="rId7">
             <a:extLst>
               <a:ext uri="{28A0092B-C50C-407E-A947-70E740481C1C}">
                 <a14:useLocalDpi xmlns:a14="http://schemas.microsoft.com/office/drawing/2010/main"/>
@@ -31957,7 +31817,7 @@
           <a:noFill/>
           <a:extLst>
             <a:ext uri="{909E8E84-426E-40dd-AFC4-6F175D3DCCD1}">
-              <a14:hiddenFill xmlns:a14="http://schemas.microsoft.com/office/drawing/2010/main" xmlns="">
+              <a14:hiddenFill xmlns="" xmlns:a14="http://schemas.microsoft.com/office/drawing/2010/main">
                 <a:solidFill>
                   <a:srgbClr val="FFFFFF"/>
                 </a:solidFill>
